--- a/sildes/open id connect - share cookies.pptx
+++ b/sildes/open id connect - share cookies.pptx
@@ -5,7 +5,7 @@
     <p:sldMasterId id="2147483648" r:id="rId1"/>
   </p:sldMasterIdLst>
   <p:notesMasterIdLst>
-    <p:notesMasterId r:id="rId13"/>
+    <p:notesMasterId r:id="rId16"/>
   </p:notesMasterIdLst>
   <p:sldIdLst>
     <p:sldId id="256" r:id="rId2"/>
@@ -14,11 +14,14 @@
     <p:sldId id="266" r:id="rId5"/>
     <p:sldId id="257" r:id="rId6"/>
     <p:sldId id="258" r:id="rId7"/>
-    <p:sldId id="265" r:id="rId8"/>
-    <p:sldId id="259" r:id="rId9"/>
-    <p:sldId id="260" r:id="rId10"/>
-    <p:sldId id="261" r:id="rId11"/>
-    <p:sldId id="262" r:id="rId12"/>
+    <p:sldId id="269" r:id="rId8"/>
+    <p:sldId id="270" r:id="rId9"/>
+    <p:sldId id="271" r:id="rId10"/>
+    <p:sldId id="272" r:id="rId11"/>
+    <p:sldId id="273" r:id="rId12"/>
+    <p:sldId id="267" r:id="rId13"/>
+    <p:sldId id="268" r:id="rId14"/>
+    <p:sldId id="265" r:id="rId15"/>
   </p:sldIdLst>
   <p:sldSz cx="12192000" cy="6858000"/>
   <p:notesSz cx="6858000" cy="9144000"/>
@@ -158,21 +161,20 @@
             <p14:sldId id="266"/>
             <p14:sldId id="257"/>
             <p14:sldId id="258"/>
+            <p14:sldId id="269"/>
+            <p14:sldId id="270"/>
+            <p14:sldId id="271"/>
+            <p14:sldId id="272"/>
+            <p14:sldId id="273"/>
+            <p14:sldId id="267"/>
+            <p14:sldId id="268"/>
             <p14:sldId id="265"/>
-          </p14:sldIdLst>
-        </p14:section>
-        <p14:section name="Flow" id="{73DE0763-EE10-47ED-9F69-03BC5DB59DFB}">
-          <p14:sldIdLst>
-            <p14:sldId id="259"/>
-            <p14:sldId id="260"/>
-            <p14:sldId id="261"/>
-            <p14:sldId id="262"/>
           </p14:sldIdLst>
         </p14:section>
       </p14:sectionLst>
     </p:ext>
     <p:ext uri="{EFAFB233-063F-42B5-8137-9DF3F51BA10A}">
-      <p15:sldGuideLst xmlns="" xmlns:p15="http://schemas.microsoft.com/office/powerpoint/2012/main">
+      <p15:sldGuideLst xmlns:p15="http://schemas.microsoft.com/office/powerpoint/2012/main" xmlns="">
         <p15:guide id="1" orient="horz" pos="2160" userDrawn="1">
           <p15:clr>
             <a:srgbClr val="A4A3A4"/>
@@ -2686,11 +2688,7 @@
           <a:p>
             <a:r>
               <a:rPr lang="en-US" sz="4000" b="1" dirty="0" smtClean="0"/>
-              <a:t>OpenID </a:t>
-            </a:r>
-            <a:r>
-              <a:rPr lang="en-US" sz="4000" b="1" dirty="0" smtClean="0"/>
-              <a:t>Connect – </a:t>
+              <a:t>OpenID Connect – </a:t>
             </a:r>
             <a:r>
               <a:rPr lang="en-US" sz="4000" b="1" dirty="0" err="1" smtClean="0"/>
@@ -2794,72 +2792,232 @@
           <a:p>
             <a:r>
               <a:rPr lang="de-DE" dirty="0" smtClean="0"/>
-              <a:t>S</a:t>
+              <a:t>Cookie Format anpassen</a:t>
             </a:r>
             <a:endParaRPr lang="de-DE" dirty="0"/>
           </a:p>
         </p:txBody>
       </p:sp>
-      <p:pic>
-        <p:nvPicPr>
-          <p:cNvPr id="5123" name="Picture 3"/>
-          <p:cNvPicPr>
-            <a:picLocks noGrp="1" noChangeAspect="1" noChangeArrowheads="1"/>
-          </p:cNvPicPr>
+      <p:sp>
+        <p:nvSpPr>
+          <p:cNvPr id="3" name="Inhaltsplatzhalter 2"/>
+          <p:cNvSpPr>
+            <a:spLocks noGrp="1"/>
+          </p:cNvSpPr>
           <p:nvPr>
             <p:ph idx="1"/>
           </p:nvPr>
-        </p:nvPicPr>
-        <p:blipFill>
-          <a:blip r:embed="rId2">
-            <a:extLst>
-              <a:ext uri="{28A0092B-C50C-407E-A947-70E740481C1C}">
-                <a14:useLocalDpi xmlns:a14="http://schemas.microsoft.com/office/drawing/2010/main" val="0"/>
-              </a:ext>
-            </a:extLst>
-          </a:blip>
-          <a:srcRect/>
-          <a:stretch>
-            <a:fillRect/>
-          </a:stretch>
-        </p:blipFill>
-        <p:spPr bwMode="auto">
-          <a:xfrm>
-            <a:off x="1633537" y="2277269"/>
-            <a:ext cx="8953500" cy="3571875"/>
-          </a:xfrm>
-          <a:prstGeom prst="rect">
-            <a:avLst/>
-          </a:prstGeom>
-          <a:noFill/>
-          <a:ln>
-            <a:noFill/>
-          </a:ln>
-          <a:extLst>
-            <a:ext uri="{909E8E84-426E-40DD-AFC4-6F175D3DCCD1}">
-              <a14:hiddenFill xmlns:a14="http://schemas.microsoft.com/office/drawing/2010/main">
-                <a:solidFill>
-                  <a:schemeClr val="accent1"/>
-                </a:solidFill>
-              </a14:hiddenFill>
-            </a:ext>
-            <a:ext uri="{91240B29-F687-4F45-9708-019B960494DF}">
-              <a14:hiddenLine xmlns:a14="http://schemas.microsoft.com/office/drawing/2010/main" w="9525">
-                <a:solidFill>
-                  <a:schemeClr val="tx1"/>
-                </a:solidFill>
-                <a:miter lim="800000"/>
-                <a:headEnd/>
-                <a:tailEnd/>
-              </a14:hiddenLine>
-            </a:ext>
-          </a:extLst>
-        </p:spPr>
-      </p:pic>
+        </p:nvSpPr>
+        <p:spPr/>
+        <p:txBody>
+          <a:bodyPr/>
+          <a:lstStyle/>
+          <a:p>
+            <a:pPr marL="0" indent="0">
+              <a:buNone/>
+            </a:pPr>
+            <a:r>
+              <a:rPr lang="de-DE" dirty="0" smtClean="0"/>
+              <a:t>ASP.NET Core benutzt ein anderes Format für Cookies. Damit ASP.NET diese "verstehen kann, muss man ASP.NET das Format "beibringen".</a:t>
+            </a:r>
+            <a:br>
+              <a:rPr lang="de-DE" dirty="0" smtClean="0"/>
+            </a:br>
+            <a:r>
+              <a:rPr lang="de-DE" dirty="0" smtClean="0"/>
+              <a:t/>
+            </a:r>
+            <a:br>
+              <a:rPr lang="de-DE" dirty="0" smtClean="0"/>
+            </a:br>
+            <a:r>
+              <a:rPr lang="de-DE" dirty="0" smtClean="0"/>
+              <a:t>ASP.NET</a:t>
+            </a:r>
+            <a:br>
+              <a:rPr lang="de-DE" dirty="0" smtClean="0"/>
+            </a:br>
+            <a:r>
+              <a:rPr lang="de-DE" sz="2000" dirty="0" err="1"/>
+              <a:t>Nuget</a:t>
+            </a:r>
+            <a:r>
+              <a:rPr lang="de-DE" sz="2000" dirty="0"/>
+              <a:t> Package </a:t>
+            </a:r>
+            <a:r>
+              <a:rPr lang="de-DE" sz="2000" dirty="0" smtClean="0"/>
+              <a:t>"</a:t>
+            </a:r>
+            <a:r>
+              <a:rPr lang="de-DE" sz="2000" dirty="0" err="1" smtClean="0"/>
+              <a:t>Microsoft.Owin.Security.Interop</a:t>
+            </a:r>
+            <a:r>
+              <a:rPr lang="de-DE" sz="2000" dirty="0" smtClean="0"/>
+              <a:t>" hinzufügen</a:t>
+            </a:r>
+            <a:endParaRPr lang="de-DE" dirty="0" smtClean="0"/>
+          </a:p>
+          <a:p>
+            <a:pPr marL="0" indent="0">
+              <a:buNone/>
+            </a:pPr>
+            <a:r>
+              <a:rPr lang="de-DE" sz="2000" dirty="0" err="1">
+                <a:solidFill>
+                  <a:srgbClr val="000000"/>
+                </a:solidFill>
+                <a:latin typeface="Consolas"/>
+              </a:rPr>
+              <a:t>app.UseCookieAuthentication</a:t>
+            </a:r>
+            <a:r>
+              <a:rPr lang="de-DE" sz="2000" dirty="0">
+                <a:solidFill>
+                  <a:srgbClr val="000000"/>
+                </a:solidFill>
+                <a:latin typeface="Consolas"/>
+              </a:rPr>
+              <a:t>( </a:t>
+            </a:r>
+            <a:r>
+              <a:rPr lang="de-DE" sz="2000" dirty="0" err="1">
+                <a:solidFill>
+                  <a:srgbClr val="0000FF"/>
+                </a:solidFill>
+                <a:latin typeface="Consolas"/>
+              </a:rPr>
+              <a:t>new</a:t>
+            </a:r>
+            <a:r>
+              <a:rPr lang="de-DE" sz="2000" dirty="0">
+                <a:solidFill>
+                  <a:srgbClr val="000000"/>
+                </a:solidFill>
+                <a:latin typeface="Consolas"/>
+              </a:rPr>
+              <a:t> </a:t>
+            </a:r>
+            <a:r>
+              <a:rPr lang="de-DE" sz="2000" dirty="0" err="1">
+                <a:solidFill>
+                  <a:srgbClr val="0000FF"/>
+                </a:solidFill>
+                <a:latin typeface="Consolas"/>
+              </a:rPr>
+              <a:t>CookieAuthenticationOptions</a:t>
+            </a:r>
+            <a:r>
+              <a:rPr lang="de-DE" sz="2000" dirty="0">
+                <a:solidFill>
+                  <a:srgbClr val="000000"/>
+                </a:solidFill>
+                <a:latin typeface="Consolas"/>
+              </a:rPr>
+              <a:t> {</a:t>
+            </a:r>
+            <a:r>
+              <a:rPr lang="de-DE" sz="2000" dirty="0" smtClean="0">
+                <a:solidFill>
+                  <a:srgbClr val="000000"/>
+                </a:solidFill>
+                <a:latin typeface="Consolas"/>
+              </a:rPr>
+              <a:t/>
+            </a:r>
+            <a:br>
+              <a:rPr lang="de-DE" sz="2000" dirty="0" smtClean="0">
+                <a:solidFill>
+                  <a:srgbClr val="000000"/>
+                </a:solidFill>
+                <a:latin typeface="Consolas"/>
+              </a:rPr>
+            </a:br>
+            <a:r>
+              <a:rPr lang="de-DE" sz="2000" dirty="0" smtClean="0">
+                <a:solidFill>
+                  <a:srgbClr val="000000"/>
+                </a:solidFill>
+                <a:latin typeface="Consolas"/>
+              </a:rPr>
+              <a:t>  </a:t>
+            </a:r>
+            <a:r>
+              <a:rPr lang="de-DE" sz="2000" dirty="0" err="1" smtClean="0">
+                <a:solidFill>
+                  <a:srgbClr val="000000"/>
+                </a:solidFill>
+                <a:latin typeface="Consolas"/>
+              </a:rPr>
+              <a:t>CookieManager</a:t>
+            </a:r>
+            <a:r>
+              <a:rPr lang="de-DE" sz="2000" dirty="0" smtClean="0">
+                <a:solidFill>
+                  <a:srgbClr val="000000"/>
+                </a:solidFill>
+                <a:latin typeface="Consolas"/>
+              </a:rPr>
+              <a:t> </a:t>
+            </a:r>
+            <a:r>
+              <a:rPr lang="de-DE" sz="2000" dirty="0">
+                <a:solidFill>
+                  <a:srgbClr val="000000"/>
+                </a:solidFill>
+                <a:latin typeface="Consolas"/>
+              </a:rPr>
+              <a:t>= </a:t>
+            </a:r>
+            <a:r>
+              <a:rPr lang="de-DE" sz="2000" dirty="0" err="1">
+                <a:solidFill>
+                  <a:srgbClr val="000000"/>
+                </a:solidFill>
+                <a:latin typeface="Consolas"/>
+              </a:rPr>
+              <a:t>new</a:t>
+            </a:r>
+            <a:r>
+              <a:rPr lang="de-DE" sz="2000" dirty="0">
+                <a:solidFill>
+                  <a:srgbClr val="000000"/>
+                </a:solidFill>
+                <a:latin typeface="Consolas"/>
+              </a:rPr>
+              <a:t> </a:t>
+            </a:r>
+            <a:r>
+              <a:rPr lang="de-DE" sz="2000" dirty="0" err="1"/>
+              <a:t>Microsoft.Owin.Security.Interop.</a:t>
+            </a:r>
+            <a:r>
+              <a:rPr lang="de-DE" sz="2000" b="1" dirty="0" err="1"/>
+              <a:t>ChunkingCookieManager</a:t>
+            </a:r>
+            <a:r>
+              <a:rPr lang="de-DE" sz="2000" dirty="0" smtClean="0">
+                <a:solidFill>
+                  <a:srgbClr val="000000"/>
+                </a:solidFill>
+                <a:latin typeface="Consolas"/>
+              </a:rPr>
+              <a:t>(),</a:t>
+            </a:r>
+            <a:endParaRPr lang="de-DE" sz="2000" dirty="0">
+              <a:solidFill>
+                <a:srgbClr val="000000"/>
+              </a:solidFill>
+              <a:latin typeface="Consolas"/>
+            </a:endParaRPr>
+          </a:p>
+        </p:txBody>
+      </p:sp>
     </p:spTree>
     <p:extLst>
       <p:ext uri="{BB962C8B-B14F-4D97-AF65-F5344CB8AC3E}">
-        <p14:creationId xmlns:p14="http://schemas.microsoft.com/office/powerpoint/2010/main" val="3789999799"/>
+        <p14:creationId xmlns:p14="http://schemas.microsoft.com/office/powerpoint/2010/main" val="666376144"/>
       </p:ext>
     </p:extLst>
   </p:cSld>
@@ -2901,74 +3059,2686 @@
           <a:bodyPr/>
           <a:lstStyle/>
           <a:p>
+            <a:r>
+              <a:rPr lang="de-DE" smtClean="0"/>
+              <a:t>TODO</a:t>
+            </a:r>
             <a:endParaRPr lang="de-DE"/>
           </a:p>
         </p:txBody>
       </p:sp>
-      <p:pic>
-        <p:nvPicPr>
-          <p:cNvPr id="6148" name="Picture 4"/>
-          <p:cNvPicPr>
-            <a:picLocks noChangeAspect="1" noChangeArrowheads="1"/>
-          </p:cNvPicPr>
-          <p:nvPr/>
-        </p:nvPicPr>
-        <p:blipFill>
-          <a:blip r:embed="rId2">
-            <a:extLst>
-              <a:ext uri="{28A0092B-C50C-407E-A947-70E740481C1C}">
-                <a14:useLocalDpi xmlns:a14="http://schemas.microsoft.com/office/drawing/2010/main" val="0"/>
-              </a:ext>
-            </a:extLst>
-          </a:blip>
-          <a:srcRect/>
-          <a:stretch>
-            <a:fillRect/>
-          </a:stretch>
-        </p:blipFill>
-        <p:spPr bwMode="auto">
-          <a:xfrm>
-            <a:off x="1585913" y="1076325"/>
-            <a:ext cx="9020175" cy="4705350"/>
-          </a:xfrm>
-          <a:prstGeom prst="rect">
-            <a:avLst/>
-          </a:prstGeom>
-          <a:noFill/>
-          <a:ln>
-            <a:noFill/>
-          </a:ln>
-          <a:extLst>
-            <a:ext uri="{909E8E84-426E-40DD-AFC4-6F175D3DCCD1}">
-              <a14:hiddenFill xmlns:a14="http://schemas.microsoft.com/office/drawing/2010/main">
-                <a:solidFill>
-                  <a:schemeClr val="accent1"/>
-                </a:solidFill>
-              </a14:hiddenFill>
-            </a:ext>
-            <a:ext uri="{91240B29-F687-4F45-9708-019B960494DF}">
-              <a14:hiddenLine xmlns:a14="http://schemas.microsoft.com/office/drawing/2010/main" w="9525">
-                <a:solidFill>
-                  <a:schemeClr val="tx1"/>
-                </a:solidFill>
-                <a:miter lim="800000"/>
-                <a:headEnd/>
-                <a:tailEnd/>
-              </a14:hiddenLine>
-            </a:ext>
-          </a:extLst>
-        </p:spPr>
-      </p:pic>
+      <p:sp>
+        <p:nvSpPr>
+          <p:cNvPr id="3" name="Inhaltsplatzhalter 2"/>
+          <p:cNvSpPr>
+            <a:spLocks noGrp="1"/>
+          </p:cNvSpPr>
+          <p:nvPr>
+            <p:ph idx="1"/>
+          </p:nvPr>
+        </p:nvSpPr>
+        <p:spPr/>
+        <p:txBody>
+          <a:bodyPr/>
+          <a:lstStyle/>
+          <a:p>
+            <a:endParaRPr lang="de-DE"/>
+          </a:p>
+        </p:txBody>
+      </p:sp>
     </p:spTree>
     <p:extLst>
       <p:ext uri="{BB962C8B-B14F-4D97-AF65-F5344CB8AC3E}">
-        <p14:creationId xmlns:p14="http://schemas.microsoft.com/office/powerpoint/2010/main" val="428073850"/>
+        <p14:creationId xmlns:p14="http://schemas.microsoft.com/office/powerpoint/2010/main" val="1026270950"/>
       </p:ext>
     </p:extLst>
   </p:cSld>
   <p:clrMapOvr>
     <a:masterClrMapping/>
   </p:clrMapOvr>
+</p:sld>
+</file>
+
+<file path=ppt/slides/slide12.xml><?xml version="1.0" encoding="utf-8"?>
+<p:sld xmlns:a="http://schemas.openxmlformats.org/drawingml/2006/main" xmlns:r="http://schemas.openxmlformats.org/officeDocument/2006/relationships" xmlns:p="http://schemas.openxmlformats.org/presentationml/2006/main">
+  <p:cSld>
+    <p:spTree>
+      <p:nvGrpSpPr>
+        <p:cNvPr id="1" name=""/>
+        <p:cNvGrpSpPr/>
+        <p:nvPr/>
+      </p:nvGrpSpPr>
+      <p:grpSpPr>
+        <a:xfrm>
+          <a:off x="0" y="0"/>
+          <a:ext cx="0" cy="0"/>
+          <a:chOff x="0" y="0"/>
+          <a:chExt cx="0" cy="0"/>
+        </a:xfrm>
+      </p:grpSpPr>
+      <p:sp>
+        <p:nvSpPr>
+          <p:cNvPr id="2" name="Titel 1"/>
+          <p:cNvSpPr>
+            <a:spLocks noGrp="1"/>
+          </p:cNvSpPr>
+          <p:nvPr>
+            <p:ph type="title"/>
+          </p:nvPr>
+        </p:nvSpPr>
+        <p:spPr/>
+        <p:txBody>
+          <a:bodyPr/>
+          <a:lstStyle/>
+          <a:p>
+            <a:pPr marL="0" indent="0"/>
+            <a:r>
+              <a:rPr lang="de-DE" dirty="0"/>
+              <a:t>ASP.NET Core</a:t>
+            </a:r>
+          </a:p>
+        </p:txBody>
+      </p:sp>
+      <p:sp>
+        <p:nvSpPr>
+          <p:cNvPr id="3" name="Inhaltsplatzhalter 2"/>
+          <p:cNvSpPr>
+            <a:spLocks noGrp="1"/>
+          </p:cNvSpPr>
+          <p:nvPr>
+            <p:ph idx="1"/>
+          </p:nvPr>
+        </p:nvSpPr>
+        <p:spPr/>
+        <p:txBody>
+          <a:bodyPr/>
+          <a:lstStyle/>
+          <a:p>
+            <a:pPr marL="0" indent="0">
+              <a:buNone/>
+            </a:pPr>
+            <a:r>
+              <a:rPr lang="de-DE" sz="2000" dirty="0" err="1" smtClean="0"/>
+              <a:t>Nuget</a:t>
+            </a:r>
+            <a:r>
+              <a:rPr lang="de-DE" sz="2000" dirty="0" smtClean="0"/>
+              <a:t> Package : </a:t>
+            </a:r>
+            <a:r>
+              <a:rPr lang="de-DE" sz="2000" dirty="0" err="1" smtClean="0"/>
+              <a:t>Microsoft.AspNetCore.DataProtection.Extensions</a:t>
+            </a:r>
+            <a:endParaRPr lang="de-DE" sz="2000" dirty="0" smtClean="0"/>
+          </a:p>
+          <a:p>
+            <a:pPr marL="0" indent="0">
+              <a:buNone/>
+            </a:pPr>
+            <a:r>
+              <a:rPr lang="de-DE" sz="2000" dirty="0" err="1">
+                <a:solidFill>
+                  <a:srgbClr val="9CDCFE"/>
+                </a:solidFill>
+                <a:latin typeface="Consolas"/>
+              </a:rPr>
+              <a:t>app</a:t>
+            </a:r>
+            <a:r>
+              <a:rPr lang="de-DE" sz="2000" dirty="0" err="1">
+                <a:solidFill>
+                  <a:srgbClr val="D4D4D4"/>
+                </a:solidFill>
+                <a:latin typeface="Consolas"/>
+              </a:rPr>
+              <a:t>.</a:t>
+            </a:r>
+            <a:r>
+              <a:rPr lang="de-DE" sz="2000" dirty="0" err="1">
+                <a:solidFill>
+                  <a:srgbClr val="DCDCAA"/>
+                </a:solidFill>
+                <a:latin typeface="Consolas"/>
+              </a:rPr>
+              <a:t>UseCookieAuthentication</a:t>
+            </a:r>
+            <a:r>
+              <a:rPr lang="de-DE" sz="2000" dirty="0">
+                <a:solidFill>
+                  <a:srgbClr val="D4D4D4"/>
+                </a:solidFill>
+                <a:latin typeface="Consolas"/>
+              </a:rPr>
+              <a:t>( </a:t>
+            </a:r>
+            <a:r>
+              <a:rPr lang="de-DE" sz="2000" dirty="0" err="1">
+                <a:solidFill>
+                  <a:srgbClr val="569CD6"/>
+                </a:solidFill>
+                <a:latin typeface="Consolas"/>
+              </a:rPr>
+              <a:t>new</a:t>
+            </a:r>
+            <a:r>
+              <a:rPr lang="de-DE" sz="2000" dirty="0">
+                <a:solidFill>
+                  <a:srgbClr val="D4D4D4"/>
+                </a:solidFill>
+                <a:latin typeface="Consolas"/>
+              </a:rPr>
+              <a:t> </a:t>
+            </a:r>
+            <a:r>
+              <a:rPr lang="de-DE" sz="2000" dirty="0" err="1">
+                <a:solidFill>
+                  <a:srgbClr val="4EC9B0"/>
+                </a:solidFill>
+                <a:latin typeface="Consolas"/>
+              </a:rPr>
+              <a:t>CookieAuthenticationOptions</a:t>
+            </a:r>
+            <a:r>
+              <a:rPr lang="de-DE" sz="2000" dirty="0">
+                <a:solidFill>
+                  <a:srgbClr val="D4D4D4"/>
+                </a:solidFill>
+                <a:latin typeface="Consolas"/>
+              </a:rPr>
+              <a:t> </a:t>
+            </a:r>
+            <a:r>
+              <a:rPr lang="de-DE" sz="2000" dirty="0" smtClean="0">
+                <a:solidFill>
+                  <a:srgbClr val="D4D4D4"/>
+                </a:solidFill>
+                <a:latin typeface="Consolas"/>
+              </a:rPr>
+              <a:t>{</a:t>
+            </a:r>
+            <a:br>
+              <a:rPr lang="de-DE" sz="2000" dirty="0" smtClean="0">
+                <a:solidFill>
+                  <a:srgbClr val="D4D4D4"/>
+                </a:solidFill>
+                <a:latin typeface="Consolas"/>
+              </a:rPr>
+            </a:br>
+            <a:r>
+              <a:rPr lang="de-DE" sz="2000" dirty="0" smtClean="0">
+                <a:solidFill>
+                  <a:srgbClr val="D4D4D4"/>
+                </a:solidFill>
+                <a:latin typeface="Consolas"/>
+              </a:rPr>
+              <a:t>  </a:t>
+            </a:r>
+            <a:r>
+              <a:rPr lang="de-DE" sz="2000" dirty="0" err="1" smtClean="0">
+                <a:solidFill>
+                  <a:srgbClr val="9CDCFE"/>
+                </a:solidFill>
+                <a:latin typeface="Consolas"/>
+              </a:rPr>
+              <a:t>AuthenticationScheme</a:t>
+            </a:r>
+            <a:r>
+              <a:rPr lang="de-DE" sz="2000" dirty="0" smtClean="0">
+                <a:solidFill>
+                  <a:srgbClr val="D4D4D4"/>
+                </a:solidFill>
+                <a:latin typeface="Consolas"/>
+              </a:rPr>
+              <a:t> </a:t>
+            </a:r>
+            <a:r>
+              <a:rPr lang="de-DE" sz="2000" dirty="0">
+                <a:solidFill>
+                  <a:srgbClr val="D4D4D4"/>
+                </a:solidFill>
+                <a:latin typeface="Consolas"/>
+              </a:rPr>
+              <a:t>= </a:t>
+            </a:r>
+            <a:r>
+              <a:rPr lang="de-DE" sz="2000" dirty="0">
+                <a:solidFill>
+                  <a:srgbClr val="CE9178"/>
+                </a:solidFill>
+                <a:latin typeface="Consolas"/>
+              </a:rPr>
+              <a:t>"Cookies</a:t>
+            </a:r>
+            <a:r>
+              <a:rPr lang="de-DE" sz="2000" dirty="0" smtClean="0">
+                <a:solidFill>
+                  <a:srgbClr val="CE9178"/>
+                </a:solidFill>
+                <a:latin typeface="Consolas"/>
+              </a:rPr>
+              <a:t>"</a:t>
+            </a:r>
+            <a:r>
+              <a:rPr lang="de-DE" sz="2000" dirty="0" smtClean="0">
+                <a:solidFill>
+                  <a:srgbClr val="D4D4D4"/>
+                </a:solidFill>
+                <a:latin typeface="Consolas"/>
+              </a:rPr>
+              <a:t>,</a:t>
+            </a:r>
+            <a:br>
+              <a:rPr lang="de-DE" sz="2000" dirty="0" smtClean="0">
+                <a:solidFill>
+                  <a:srgbClr val="D4D4D4"/>
+                </a:solidFill>
+                <a:latin typeface="Consolas"/>
+              </a:rPr>
+            </a:br>
+            <a:r>
+              <a:rPr lang="de-DE" sz="2000" dirty="0" smtClean="0">
+                <a:solidFill>
+                  <a:srgbClr val="D4D4D4"/>
+                </a:solidFill>
+                <a:latin typeface="Consolas"/>
+              </a:rPr>
+              <a:t>  </a:t>
+            </a:r>
+            <a:r>
+              <a:rPr lang="de-DE" sz="2000" dirty="0" err="1" smtClean="0">
+                <a:solidFill>
+                  <a:srgbClr val="9CDCFE"/>
+                </a:solidFill>
+                <a:latin typeface="Consolas"/>
+              </a:rPr>
+              <a:t>AutomaticAuthenticate</a:t>
+            </a:r>
+            <a:r>
+              <a:rPr lang="de-DE" sz="2000" dirty="0" smtClean="0">
+                <a:solidFill>
+                  <a:srgbClr val="D4D4D4"/>
+                </a:solidFill>
+                <a:latin typeface="Consolas"/>
+              </a:rPr>
+              <a:t> </a:t>
+            </a:r>
+            <a:r>
+              <a:rPr lang="de-DE" sz="2000" dirty="0">
+                <a:solidFill>
+                  <a:srgbClr val="D4D4D4"/>
+                </a:solidFill>
+                <a:latin typeface="Consolas"/>
+              </a:rPr>
+              <a:t>= </a:t>
+            </a:r>
+            <a:r>
+              <a:rPr lang="de-DE" sz="2000" dirty="0" err="1" smtClean="0">
+                <a:solidFill>
+                  <a:srgbClr val="569CD6"/>
+                </a:solidFill>
+                <a:latin typeface="Consolas"/>
+              </a:rPr>
+              <a:t>true</a:t>
+            </a:r>
+            <a:r>
+              <a:rPr lang="de-DE" sz="2000" dirty="0" smtClean="0">
+                <a:solidFill>
+                  <a:srgbClr val="D4D4D4"/>
+                </a:solidFill>
+                <a:latin typeface="Consolas"/>
+              </a:rPr>
+              <a:t>,</a:t>
+            </a:r>
+            <a:br>
+              <a:rPr lang="de-DE" sz="2000" dirty="0" smtClean="0">
+                <a:solidFill>
+                  <a:srgbClr val="D4D4D4"/>
+                </a:solidFill>
+                <a:latin typeface="Consolas"/>
+              </a:rPr>
+            </a:br>
+            <a:r>
+              <a:rPr lang="de-DE" sz="2000" dirty="0" smtClean="0">
+                <a:solidFill>
+                  <a:srgbClr val="D4D4D4"/>
+                </a:solidFill>
+                <a:latin typeface="Consolas"/>
+              </a:rPr>
+              <a:t>  </a:t>
+            </a:r>
+            <a:r>
+              <a:rPr lang="de-DE" sz="2000" dirty="0" err="1" smtClean="0">
+                <a:solidFill>
+                  <a:srgbClr val="9CDCFE"/>
+                </a:solidFill>
+                <a:latin typeface="Consolas"/>
+              </a:rPr>
+              <a:t>CookieName</a:t>
+            </a:r>
+            <a:r>
+              <a:rPr lang="de-DE" sz="2000" dirty="0" smtClean="0">
+                <a:solidFill>
+                  <a:srgbClr val="D4D4D4"/>
+                </a:solidFill>
+                <a:latin typeface="Consolas"/>
+              </a:rPr>
+              <a:t> </a:t>
+            </a:r>
+            <a:r>
+              <a:rPr lang="de-DE" sz="2000" dirty="0">
+                <a:solidFill>
+                  <a:srgbClr val="D4D4D4"/>
+                </a:solidFill>
+                <a:latin typeface="Consolas"/>
+              </a:rPr>
+              <a:t>= </a:t>
+            </a:r>
+            <a:r>
+              <a:rPr lang="de-DE" sz="2000" dirty="0">
+                <a:solidFill>
+                  <a:srgbClr val="CE9178"/>
+                </a:solidFill>
+                <a:latin typeface="Consolas"/>
+              </a:rPr>
+              <a:t>"DNC2017_SharedAuthCookie"</a:t>
+            </a:r>
+            <a:r>
+              <a:rPr lang="de-DE" sz="2000" dirty="0">
+                <a:solidFill>
+                  <a:srgbClr val="D4D4D4"/>
+                </a:solidFill>
+                <a:latin typeface="Consolas"/>
+              </a:rPr>
+              <a:t>, </a:t>
+            </a:r>
+            <a:r>
+              <a:rPr lang="de-DE" sz="2000" dirty="0">
+                <a:solidFill>
+                  <a:srgbClr val="608B4E"/>
+                </a:solidFill>
+                <a:latin typeface="Consolas"/>
+              </a:rPr>
+              <a:t>// a </a:t>
+            </a:r>
+            <a:r>
+              <a:rPr lang="de-DE" sz="2000" dirty="0" err="1">
+                <a:solidFill>
+                  <a:srgbClr val="608B4E"/>
+                </a:solidFill>
+                <a:latin typeface="Consolas"/>
+              </a:rPr>
+              <a:t>shared</a:t>
+            </a:r>
+            <a:r>
+              <a:rPr lang="de-DE" sz="2000" dirty="0">
+                <a:solidFill>
+                  <a:srgbClr val="608B4E"/>
+                </a:solidFill>
+                <a:latin typeface="Consolas"/>
+              </a:rPr>
+              <a:t> </a:t>
+            </a:r>
+            <a:r>
+              <a:rPr lang="de-DE" sz="2000" dirty="0" err="1">
+                <a:solidFill>
+                  <a:srgbClr val="608B4E"/>
+                </a:solidFill>
+                <a:latin typeface="Consolas"/>
+              </a:rPr>
+              <a:t>cookie</a:t>
+            </a:r>
+            <a:r>
+              <a:rPr lang="de-DE" sz="2000" dirty="0">
+                <a:solidFill>
+                  <a:srgbClr val="608B4E"/>
+                </a:solidFill>
+                <a:latin typeface="Consolas"/>
+              </a:rPr>
+              <a:t> </a:t>
+            </a:r>
+            <a:r>
+              <a:rPr lang="de-DE" sz="2000" dirty="0" err="1">
+                <a:solidFill>
+                  <a:srgbClr val="608B4E"/>
+                </a:solidFill>
+                <a:latin typeface="Consolas"/>
+              </a:rPr>
+              <a:t>name</a:t>
+            </a:r>
+            <a:r>
+              <a:rPr lang="de-DE" sz="2000" dirty="0">
+                <a:solidFill>
+                  <a:srgbClr val="608B4E"/>
+                </a:solidFill>
+                <a:latin typeface="Consolas"/>
+              </a:rPr>
+              <a:t> </a:t>
+            </a:r>
+            <a:r>
+              <a:rPr lang="de-DE" sz="2000" dirty="0" smtClean="0">
+                <a:solidFill>
+                  <a:srgbClr val="608B4E"/>
+                </a:solidFill>
+                <a:latin typeface="Consolas"/>
+              </a:rPr>
+              <a:t/>
+            </a:r>
+            <a:br>
+              <a:rPr lang="de-DE" sz="2000" dirty="0" smtClean="0">
+                <a:solidFill>
+                  <a:srgbClr val="608B4E"/>
+                </a:solidFill>
+                <a:latin typeface="Consolas"/>
+              </a:rPr>
+            </a:br>
+            <a:r>
+              <a:rPr lang="de-DE" sz="2000" dirty="0" smtClean="0">
+                <a:solidFill>
+                  <a:srgbClr val="608B4E"/>
+                </a:solidFill>
+                <a:latin typeface="Consolas"/>
+              </a:rPr>
+              <a:t>  </a:t>
+            </a:r>
+            <a:r>
+              <a:rPr lang="de-DE" sz="2000" dirty="0" err="1" smtClean="0">
+                <a:solidFill>
+                  <a:srgbClr val="9CDCFE"/>
+                </a:solidFill>
+                <a:latin typeface="Consolas"/>
+              </a:rPr>
+              <a:t>CookiePath</a:t>
+            </a:r>
+            <a:r>
+              <a:rPr lang="de-DE" sz="2000" dirty="0" smtClean="0">
+                <a:solidFill>
+                  <a:srgbClr val="D4D4D4"/>
+                </a:solidFill>
+                <a:latin typeface="Consolas"/>
+              </a:rPr>
+              <a:t> </a:t>
+            </a:r>
+            <a:r>
+              <a:rPr lang="de-DE" sz="2000" dirty="0">
+                <a:solidFill>
+                  <a:srgbClr val="D4D4D4"/>
+                </a:solidFill>
+                <a:latin typeface="Consolas"/>
+              </a:rPr>
+              <a:t>= </a:t>
+            </a:r>
+            <a:r>
+              <a:rPr lang="de-DE" sz="2000" dirty="0">
+                <a:solidFill>
+                  <a:srgbClr val="CE9178"/>
+                </a:solidFill>
+                <a:latin typeface="Consolas"/>
+              </a:rPr>
+              <a:t>"/"</a:t>
+            </a:r>
+            <a:r>
+              <a:rPr lang="de-DE" sz="2000" dirty="0">
+                <a:solidFill>
+                  <a:srgbClr val="D4D4D4"/>
+                </a:solidFill>
+                <a:latin typeface="Consolas"/>
+              </a:rPr>
+              <a:t>, </a:t>
+            </a:r>
+            <a:r>
+              <a:rPr lang="de-DE" sz="2000" dirty="0">
+                <a:solidFill>
+                  <a:srgbClr val="608B4E"/>
+                </a:solidFill>
+                <a:latin typeface="Consolas"/>
+              </a:rPr>
+              <a:t>// </a:t>
+            </a:r>
+            <a:r>
+              <a:rPr lang="de-DE" sz="2000" dirty="0" err="1">
+                <a:solidFill>
+                  <a:srgbClr val="608B4E"/>
+                </a:solidFill>
+                <a:latin typeface="Consolas"/>
+              </a:rPr>
+              <a:t>force</a:t>
+            </a:r>
+            <a:r>
+              <a:rPr lang="de-DE" sz="2000" dirty="0">
+                <a:solidFill>
+                  <a:srgbClr val="608B4E"/>
+                </a:solidFill>
+                <a:latin typeface="Consolas"/>
+              </a:rPr>
+              <a:t> </a:t>
+            </a:r>
+            <a:r>
+              <a:rPr lang="de-DE" sz="2000" dirty="0" err="1">
+                <a:solidFill>
+                  <a:srgbClr val="608B4E"/>
+                </a:solidFill>
+                <a:latin typeface="Consolas"/>
+              </a:rPr>
+              <a:t>cookie</a:t>
+            </a:r>
+            <a:r>
+              <a:rPr lang="de-DE" sz="2000" dirty="0">
+                <a:solidFill>
+                  <a:srgbClr val="608B4E"/>
+                </a:solidFill>
+                <a:latin typeface="Consolas"/>
+              </a:rPr>
+              <a:t> </a:t>
+            </a:r>
+            <a:r>
+              <a:rPr lang="de-DE" sz="2000" dirty="0" err="1">
+                <a:solidFill>
+                  <a:srgbClr val="608B4E"/>
+                </a:solidFill>
+                <a:latin typeface="Consolas"/>
+              </a:rPr>
+              <a:t>to</a:t>
+            </a:r>
+            <a:r>
+              <a:rPr lang="de-DE" sz="2000" dirty="0">
+                <a:solidFill>
+                  <a:srgbClr val="608B4E"/>
+                </a:solidFill>
+                <a:latin typeface="Consolas"/>
+              </a:rPr>
+              <a:t> </a:t>
+            </a:r>
+            <a:r>
+              <a:rPr lang="de-DE" sz="2000" dirty="0" err="1">
+                <a:solidFill>
+                  <a:srgbClr val="608B4E"/>
+                </a:solidFill>
+                <a:latin typeface="Consolas"/>
+              </a:rPr>
+              <a:t>be</a:t>
+            </a:r>
+            <a:r>
+              <a:rPr lang="de-DE" sz="2000" dirty="0">
+                <a:solidFill>
+                  <a:srgbClr val="608B4E"/>
+                </a:solidFill>
+                <a:latin typeface="Consolas"/>
+              </a:rPr>
+              <a:t> send </a:t>
+            </a:r>
+            <a:r>
+              <a:rPr lang="de-DE" sz="2000" dirty="0" err="1">
+                <a:solidFill>
+                  <a:srgbClr val="608B4E"/>
+                </a:solidFill>
+                <a:latin typeface="Consolas"/>
+              </a:rPr>
+              <a:t>to</a:t>
+            </a:r>
+            <a:r>
+              <a:rPr lang="de-DE" sz="2000" dirty="0">
+                <a:solidFill>
+                  <a:srgbClr val="608B4E"/>
+                </a:solidFill>
+                <a:latin typeface="Consolas"/>
+              </a:rPr>
+              <a:t> </a:t>
+            </a:r>
+            <a:r>
+              <a:rPr lang="de-DE" sz="2000" dirty="0" err="1" smtClean="0">
+                <a:solidFill>
+                  <a:srgbClr val="608B4E"/>
+                </a:solidFill>
+                <a:latin typeface="Consolas"/>
+              </a:rPr>
+              <a:t>both</a:t>
+            </a:r>
+            <a:r>
+              <a:rPr lang="de-DE" sz="2000" dirty="0" smtClean="0">
+                <a:solidFill>
+                  <a:srgbClr val="608B4E"/>
+                </a:solidFill>
+                <a:latin typeface="Consolas"/>
+              </a:rPr>
+              <a:t/>
+            </a:r>
+            <a:br>
+              <a:rPr lang="de-DE" sz="2000" dirty="0" smtClean="0">
+                <a:solidFill>
+                  <a:srgbClr val="608B4E"/>
+                </a:solidFill>
+                <a:latin typeface="Consolas"/>
+              </a:rPr>
+            </a:br>
+            <a:r>
+              <a:rPr lang="de-DE" sz="2000" dirty="0" smtClean="0">
+                <a:solidFill>
+                  <a:srgbClr val="608B4E"/>
+                </a:solidFill>
+                <a:latin typeface="Consolas"/>
+              </a:rPr>
+              <a:t>  </a:t>
+            </a:r>
+            <a:r>
+              <a:rPr lang="de-DE" sz="2000" dirty="0" err="1" smtClean="0">
+                <a:solidFill>
+                  <a:srgbClr val="9CDCFE"/>
+                </a:solidFill>
+                <a:latin typeface="Consolas"/>
+              </a:rPr>
+              <a:t>CookieSecure</a:t>
+            </a:r>
+            <a:r>
+              <a:rPr lang="de-DE" sz="2000" dirty="0" smtClean="0">
+                <a:solidFill>
+                  <a:srgbClr val="D4D4D4"/>
+                </a:solidFill>
+                <a:latin typeface="Consolas"/>
+              </a:rPr>
+              <a:t> </a:t>
+            </a:r>
+            <a:r>
+              <a:rPr lang="de-DE" sz="2000" dirty="0">
+                <a:solidFill>
+                  <a:srgbClr val="D4D4D4"/>
+                </a:solidFill>
+                <a:latin typeface="Consolas"/>
+              </a:rPr>
+              <a:t>= </a:t>
+            </a:r>
+            <a:r>
+              <a:rPr lang="de-DE" sz="2000" dirty="0" err="1">
+                <a:solidFill>
+                  <a:srgbClr val="9CDCFE"/>
+                </a:solidFill>
+                <a:latin typeface="Consolas"/>
+              </a:rPr>
+              <a:t>Microsoft</a:t>
+            </a:r>
+            <a:r>
+              <a:rPr lang="de-DE" sz="2000" dirty="0" err="1">
+                <a:solidFill>
+                  <a:srgbClr val="D4D4D4"/>
+                </a:solidFill>
+                <a:latin typeface="Consolas"/>
+              </a:rPr>
+              <a:t>.</a:t>
+            </a:r>
+            <a:r>
+              <a:rPr lang="de-DE" sz="2000" dirty="0" err="1">
+                <a:solidFill>
+                  <a:srgbClr val="9CDCFE"/>
+                </a:solidFill>
+                <a:latin typeface="Consolas"/>
+              </a:rPr>
+              <a:t>AspNetCore</a:t>
+            </a:r>
+            <a:r>
+              <a:rPr lang="de-DE" sz="2000" dirty="0" err="1">
+                <a:solidFill>
+                  <a:srgbClr val="D4D4D4"/>
+                </a:solidFill>
+                <a:latin typeface="Consolas"/>
+              </a:rPr>
+              <a:t>.</a:t>
+            </a:r>
+            <a:r>
+              <a:rPr lang="de-DE" sz="2000" dirty="0" err="1">
+                <a:solidFill>
+                  <a:srgbClr val="9CDCFE"/>
+                </a:solidFill>
+                <a:latin typeface="Consolas"/>
+              </a:rPr>
+              <a:t>Http</a:t>
+            </a:r>
+            <a:r>
+              <a:rPr lang="de-DE" sz="2000" dirty="0" err="1">
+                <a:solidFill>
+                  <a:srgbClr val="D4D4D4"/>
+                </a:solidFill>
+                <a:latin typeface="Consolas"/>
+              </a:rPr>
+              <a:t>.</a:t>
+            </a:r>
+            <a:r>
+              <a:rPr lang="de-DE" sz="2000" dirty="0" err="1">
+                <a:solidFill>
+                  <a:srgbClr val="9CDCFE"/>
+                </a:solidFill>
+                <a:latin typeface="Consolas"/>
+              </a:rPr>
+              <a:t>CookieSecurePolicy</a:t>
+            </a:r>
+            <a:r>
+              <a:rPr lang="de-DE" sz="2000" dirty="0" err="1">
+                <a:solidFill>
+                  <a:srgbClr val="D4D4D4"/>
+                </a:solidFill>
+                <a:latin typeface="Consolas"/>
+              </a:rPr>
+              <a:t>.</a:t>
+            </a:r>
+            <a:r>
+              <a:rPr lang="de-DE" sz="2000" dirty="0" err="1">
+                <a:solidFill>
+                  <a:srgbClr val="9CDCFE"/>
+                </a:solidFill>
+                <a:latin typeface="Consolas"/>
+              </a:rPr>
+              <a:t>Always</a:t>
+            </a:r>
+            <a:r>
+              <a:rPr lang="de-DE" sz="2000" dirty="0">
+                <a:solidFill>
+                  <a:srgbClr val="D4D4D4"/>
+                </a:solidFill>
+                <a:latin typeface="Consolas"/>
+              </a:rPr>
+              <a:t>, </a:t>
+            </a:r>
+            <a:r>
+              <a:rPr lang="de-DE" sz="2000" dirty="0" smtClean="0">
+                <a:solidFill>
+                  <a:srgbClr val="608B4E"/>
+                </a:solidFill>
+                <a:latin typeface="Consolas"/>
+              </a:rPr>
+              <a:t>// </a:t>
+            </a:r>
+            <a:r>
+              <a:rPr lang="de-DE" sz="2000" dirty="0" err="1" smtClean="0">
+                <a:solidFill>
+                  <a:srgbClr val="608B4E"/>
+                </a:solidFill>
+                <a:latin typeface="Consolas"/>
+              </a:rPr>
+              <a:t>enforce</a:t>
+            </a:r>
+            <a:r>
+              <a:rPr lang="de-DE" sz="2000" dirty="0" smtClean="0">
+                <a:solidFill>
+                  <a:srgbClr val="608B4E"/>
+                </a:solidFill>
+                <a:latin typeface="Consolas"/>
+              </a:rPr>
+              <a:t> </a:t>
+            </a:r>
+            <a:r>
+              <a:rPr lang="de-DE" sz="2000" dirty="0" err="1" smtClean="0">
+                <a:solidFill>
+                  <a:srgbClr val="608B4E"/>
+                </a:solidFill>
+                <a:latin typeface="Consolas"/>
+              </a:rPr>
+              <a:t>encryption</a:t>
+            </a:r>
+            <a:r>
+              <a:rPr lang="de-DE" sz="2000" dirty="0" smtClean="0">
+                <a:solidFill>
+                  <a:srgbClr val="608B4E"/>
+                </a:solidFill>
+                <a:latin typeface="Consolas"/>
+              </a:rPr>
+              <a:t/>
+            </a:r>
+            <a:br>
+              <a:rPr lang="de-DE" sz="2000" dirty="0" smtClean="0">
+                <a:solidFill>
+                  <a:srgbClr val="608B4E"/>
+                </a:solidFill>
+                <a:latin typeface="Consolas"/>
+              </a:rPr>
+            </a:br>
+            <a:r>
+              <a:rPr lang="de-DE" sz="2000" dirty="0" smtClean="0">
+                <a:solidFill>
+                  <a:srgbClr val="608B4E"/>
+                </a:solidFill>
+                <a:latin typeface="Consolas"/>
+              </a:rPr>
+              <a:t>//</a:t>
+            </a:r>
+            <a:r>
+              <a:rPr lang="de-DE" sz="2000" dirty="0" err="1">
+                <a:solidFill>
+                  <a:srgbClr val="608B4E"/>
+                </a:solidFill>
+                <a:latin typeface="Consolas"/>
+              </a:rPr>
+              <a:t>share</a:t>
+            </a:r>
+            <a:r>
+              <a:rPr lang="de-DE" sz="2000" dirty="0">
+                <a:solidFill>
+                  <a:srgbClr val="608B4E"/>
+                </a:solidFill>
+                <a:latin typeface="Consolas"/>
+              </a:rPr>
+              <a:t> </a:t>
+            </a:r>
+            <a:r>
+              <a:rPr lang="de-DE" sz="2000" dirty="0" err="1">
+                <a:solidFill>
+                  <a:srgbClr val="608B4E"/>
+                </a:solidFill>
+                <a:latin typeface="Consolas"/>
+              </a:rPr>
+              <a:t>dataprotection</a:t>
+            </a:r>
+            <a:r>
+              <a:rPr lang="de-DE" sz="2000" dirty="0">
+                <a:solidFill>
+                  <a:srgbClr val="608B4E"/>
+                </a:solidFill>
+                <a:latin typeface="Consolas"/>
+              </a:rPr>
+              <a:t> </a:t>
+            </a:r>
+            <a:r>
+              <a:rPr lang="de-DE" sz="2000" dirty="0" err="1" smtClean="0">
+                <a:solidFill>
+                  <a:srgbClr val="608B4E"/>
+                </a:solidFill>
+                <a:latin typeface="Consolas"/>
+              </a:rPr>
+              <a:t>keys</a:t>
+            </a:r>
+            <a:r>
+              <a:rPr lang="de-DE" sz="2000" dirty="0" smtClean="0">
+                <a:solidFill>
+                  <a:srgbClr val="608B4E"/>
+                </a:solidFill>
+                <a:latin typeface="Consolas"/>
+              </a:rPr>
+              <a:t/>
+            </a:r>
+            <a:br>
+              <a:rPr lang="de-DE" sz="2000" dirty="0" smtClean="0">
+                <a:solidFill>
+                  <a:srgbClr val="608B4E"/>
+                </a:solidFill>
+                <a:latin typeface="Consolas"/>
+              </a:rPr>
+            </a:br>
+            <a:r>
+              <a:rPr lang="de-DE" sz="2000" dirty="0" smtClean="0">
+                <a:solidFill>
+                  <a:srgbClr val="608B4E"/>
+                </a:solidFill>
+                <a:latin typeface="Consolas"/>
+              </a:rPr>
+              <a:t>  </a:t>
+            </a:r>
+            <a:r>
+              <a:rPr lang="de-DE" sz="2000" dirty="0" err="1" smtClean="0">
+                <a:solidFill>
+                  <a:srgbClr val="9CDCFE"/>
+                </a:solidFill>
+                <a:latin typeface="Consolas"/>
+              </a:rPr>
+              <a:t>DataProtectionProvider</a:t>
+            </a:r>
+            <a:r>
+              <a:rPr lang="de-DE" sz="2000" dirty="0" smtClean="0">
+                <a:solidFill>
+                  <a:srgbClr val="D4D4D4"/>
+                </a:solidFill>
+                <a:latin typeface="Consolas"/>
+              </a:rPr>
+              <a:t> </a:t>
+            </a:r>
+            <a:r>
+              <a:rPr lang="de-DE" sz="2000" dirty="0">
+                <a:solidFill>
+                  <a:srgbClr val="D4D4D4"/>
+                </a:solidFill>
+                <a:latin typeface="Consolas"/>
+              </a:rPr>
+              <a:t>= </a:t>
+            </a:r>
+            <a:r>
+              <a:rPr lang="de-DE" sz="2000" dirty="0" err="1">
+                <a:solidFill>
+                  <a:srgbClr val="9CDCFE"/>
+                </a:solidFill>
+                <a:latin typeface="Consolas"/>
+              </a:rPr>
+              <a:t>DataProtectionProvider</a:t>
+            </a:r>
+            <a:r>
+              <a:rPr lang="de-DE" sz="2000" dirty="0" err="1">
+                <a:solidFill>
+                  <a:srgbClr val="D4D4D4"/>
+                </a:solidFill>
+                <a:latin typeface="Consolas"/>
+              </a:rPr>
+              <a:t>.</a:t>
+            </a:r>
+            <a:r>
+              <a:rPr lang="de-DE" sz="2000" dirty="0" err="1">
+                <a:solidFill>
+                  <a:srgbClr val="DCDCAA"/>
+                </a:solidFill>
+                <a:latin typeface="Consolas"/>
+              </a:rPr>
+              <a:t>Create</a:t>
+            </a:r>
+            <a:r>
+              <a:rPr lang="de-DE" sz="2000" dirty="0" smtClean="0">
+                <a:solidFill>
+                  <a:srgbClr val="D4D4D4"/>
+                </a:solidFill>
+                <a:latin typeface="Consolas"/>
+              </a:rPr>
+              <a:t>(</a:t>
+            </a:r>
+            <a:br>
+              <a:rPr lang="de-DE" sz="2000" dirty="0" smtClean="0">
+                <a:solidFill>
+                  <a:srgbClr val="D4D4D4"/>
+                </a:solidFill>
+                <a:latin typeface="Consolas"/>
+              </a:rPr>
+            </a:br>
+            <a:r>
+              <a:rPr lang="de-DE" sz="2000" dirty="0" smtClean="0">
+                <a:solidFill>
+                  <a:srgbClr val="D4D4D4"/>
+                </a:solidFill>
+                <a:latin typeface="Consolas"/>
+              </a:rPr>
+              <a:t>                         </a:t>
+            </a:r>
+            <a:r>
+              <a:rPr lang="de-DE" sz="2000" dirty="0" err="1" smtClean="0">
+                <a:solidFill>
+                  <a:srgbClr val="569CD6"/>
+                </a:solidFill>
+                <a:latin typeface="Consolas"/>
+              </a:rPr>
+              <a:t>new</a:t>
+            </a:r>
+            <a:r>
+              <a:rPr lang="de-DE" sz="2000" dirty="0" smtClean="0">
+                <a:solidFill>
+                  <a:srgbClr val="D4D4D4"/>
+                </a:solidFill>
+                <a:latin typeface="Consolas"/>
+              </a:rPr>
+              <a:t> </a:t>
+            </a:r>
+            <a:r>
+              <a:rPr lang="de-DE" sz="2000" dirty="0" err="1">
+                <a:solidFill>
+                  <a:srgbClr val="4EC9B0"/>
+                </a:solidFill>
+                <a:latin typeface="Consolas"/>
+              </a:rPr>
+              <a:t>DirectoryInfo</a:t>
+            </a:r>
+            <a:r>
+              <a:rPr lang="de-DE" sz="2000" dirty="0">
+                <a:solidFill>
+                  <a:srgbClr val="D4D4D4"/>
+                </a:solidFill>
+                <a:latin typeface="Consolas"/>
+              </a:rPr>
+              <a:t>(</a:t>
+            </a:r>
+            <a:r>
+              <a:rPr lang="de-DE" sz="2000" dirty="0">
+                <a:solidFill>
+                  <a:srgbClr val="CE9178"/>
+                </a:solidFill>
+                <a:latin typeface="Consolas"/>
+              </a:rPr>
+              <a:t>@"c:\</a:t>
+            </a:r>
+            <a:r>
+              <a:rPr lang="de-DE" sz="2000" dirty="0" err="1">
+                <a:solidFill>
+                  <a:srgbClr val="CE9178"/>
+                </a:solidFill>
+                <a:latin typeface="Consolas"/>
+              </a:rPr>
+              <a:t>shared</a:t>
+            </a:r>
+            <a:r>
+              <a:rPr lang="de-DE" sz="2000" dirty="0">
+                <a:solidFill>
+                  <a:srgbClr val="CE9178"/>
+                </a:solidFill>
+                <a:latin typeface="Consolas"/>
+              </a:rPr>
+              <a:t>-</a:t>
+            </a:r>
+            <a:r>
+              <a:rPr lang="de-DE" sz="2000" dirty="0" err="1">
+                <a:solidFill>
+                  <a:srgbClr val="CE9178"/>
+                </a:solidFill>
+                <a:latin typeface="Consolas"/>
+              </a:rPr>
+              <a:t>auth</a:t>
+            </a:r>
+            <a:r>
+              <a:rPr lang="de-DE" sz="2000" dirty="0">
+                <a:solidFill>
+                  <a:srgbClr val="CE9178"/>
+                </a:solidFill>
+                <a:latin typeface="Consolas"/>
+              </a:rPr>
+              <a:t>-ticket-</a:t>
+            </a:r>
+            <a:r>
+              <a:rPr lang="de-DE" sz="2000" dirty="0" err="1">
+                <a:solidFill>
+                  <a:srgbClr val="CE9178"/>
+                </a:solidFill>
+                <a:latin typeface="Consolas"/>
+              </a:rPr>
+              <a:t>keys</a:t>
+            </a:r>
+            <a:r>
+              <a:rPr lang="de-DE" sz="2000" dirty="0" smtClean="0">
+                <a:solidFill>
+                  <a:srgbClr val="CE9178"/>
+                </a:solidFill>
+                <a:latin typeface="Consolas"/>
+              </a:rPr>
+              <a:t>\"</a:t>
+            </a:r>
+            <a:r>
+              <a:rPr lang="de-DE" sz="2000" dirty="0" smtClean="0">
+                <a:solidFill>
+                  <a:srgbClr val="D4D4D4"/>
+                </a:solidFill>
+                <a:latin typeface="Consolas"/>
+              </a:rPr>
+              <a:t>));</a:t>
+            </a:r>
+            <a:endParaRPr lang="de-DE" sz="2000" dirty="0">
+              <a:solidFill>
+                <a:srgbClr val="D4D4D4"/>
+              </a:solidFill>
+              <a:latin typeface="Consolas"/>
+            </a:endParaRPr>
+          </a:p>
+          <a:p>
+            <a:pPr marL="0" indent="0">
+              <a:buNone/>
+            </a:pPr>
+            <a:r>
+              <a:rPr lang="de-DE" sz="2000" dirty="0" smtClean="0">
+                <a:solidFill>
+                  <a:srgbClr val="D4D4D4"/>
+                </a:solidFill>
+                <a:latin typeface="Consolas"/>
+              </a:rPr>
+              <a:t>});</a:t>
+            </a:r>
+            <a:endParaRPr lang="de-DE" sz="2000" dirty="0">
+              <a:solidFill>
+                <a:srgbClr val="D4D4D4"/>
+              </a:solidFill>
+              <a:latin typeface="Consolas"/>
+            </a:endParaRPr>
+          </a:p>
+          <a:p>
+            <a:pPr marL="0" indent="0">
+              <a:buNone/>
+            </a:pPr>
+            <a:r>
+              <a:rPr lang="de-DE" sz="2000" dirty="0">
+                <a:solidFill>
+                  <a:srgbClr val="D4D4D4"/>
+                </a:solidFill>
+                <a:latin typeface="Consolas"/>
+              </a:rPr>
+              <a:t/>
+            </a:r>
+            <a:br>
+              <a:rPr lang="de-DE" sz="2000" dirty="0">
+                <a:solidFill>
+                  <a:srgbClr val="D4D4D4"/>
+                </a:solidFill>
+                <a:latin typeface="Consolas"/>
+              </a:rPr>
+            </a:br>
+            <a:endParaRPr lang="de-DE" sz="2000" dirty="0">
+              <a:solidFill>
+                <a:srgbClr val="D4D4D4"/>
+              </a:solidFill>
+              <a:latin typeface="Consolas"/>
+            </a:endParaRPr>
+          </a:p>
+          <a:p>
+            <a:pPr marL="0" indent="0">
+              <a:buNone/>
+            </a:pPr>
+            <a:endParaRPr lang="de-DE" sz="2000" dirty="0" smtClean="0">
+              <a:latin typeface="Consolas" panose="020B0609020204030204" pitchFamily="49" charset="0"/>
+            </a:endParaRPr>
+          </a:p>
+        </p:txBody>
+      </p:sp>
+    </p:spTree>
+    <p:extLst>
+      <p:ext uri="{BB962C8B-B14F-4D97-AF65-F5344CB8AC3E}">
+        <p14:creationId xmlns:p14="http://schemas.microsoft.com/office/powerpoint/2010/main" val="1111326491"/>
+      </p:ext>
+    </p:extLst>
+  </p:cSld>
+  <p:clrMapOvr>
+    <a:masterClrMapping/>
+  </p:clrMapOvr>
+</p:sld>
+</file>
+
+<file path=ppt/slides/slide13.xml><?xml version="1.0" encoding="utf-8"?>
+<p:sld xmlns:a="http://schemas.openxmlformats.org/drawingml/2006/main" xmlns:r="http://schemas.openxmlformats.org/officeDocument/2006/relationships" xmlns:p="http://schemas.openxmlformats.org/presentationml/2006/main">
+  <p:cSld>
+    <p:spTree>
+      <p:nvGrpSpPr>
+        <p:cNvPr id="1" name=""/>
+        <p:cNvGrpSpPr/>
+        <p:nvPr/>
+      </p:nvGrpSpPr>
+      <p:grpSpPr>
+        <a:xfrm>
+          <a:off x="0" y="0"/>
+          <a:ext cx="0" cy="0"/>
+          <a:chOff x="0" y="0"/>
+          <a:chExt cx="0" cy="0"/>
+        </a:xfrm>
+      </p:grpSpPr>
+      <p:sp>
+        <p:nvSpPr>
+          <p:cNvPr id="2" name="Titel 1"/>
+          <p:cNvSpPr>
+            <a:spLocks noGrp="1"/>
+          </p:cNvSpPr>
+          <p:nvPr>
+            <p:ph type="title"/>
+          </p:nvPr>
+        </p:nvSpPr>
+        <p:spPr/>
+        <p:txBody>
+          <a:bodyPr/>
+          <a:lstStyle/>
+          <a:p>
+            <a:r>
+              <a:rPr lang="de-DE" dirty="0" smtClean="0"/>
+              <a:t>ASP.NET</a:t>
+            </a:r>
+            <a:endParaRPr lang="de-DE" dirty="0"/>
+          </a:p>
+        </p:txBody>
+      </p:sp>
+      <p:sp>
+        <p:nvSpPr>
+          <p:cNvPr id="3" name="Inhaltsplatzhalter 2"/>
+          <p:cNvSpPr>
+            <a:spLocks noGrp="1"/>
+          </p:cNvSpPr>
+          <p:nvPr>
+            <p:ph idx="1"/>
+          </p:nvPr>
+        </p:nvSpPr>
+        <p:spPr/>
+        <p:txBody>
+          <a:bodyPr/>
+          <a:lstStyle/>
+          <a:p>
+            <a:pPr marL="0" indent="0">
+              <a:buNone/>
+            </a:pPr>
+            <a:r>
+              <a:rPr lang="de-DE" sz="2000" dirty="0" err="1"/>
+              <a:t>Nuget</a:t>
+            </a:r>
+            <a:r>
+              <a:rPr lang="de-DE" sz="2000" dirty="0"/>
+              <a:t> Package : </a:t>
+            </a:r>
+            <a:r>
+              <a:rPr lang="de-DE" sz="2000" dirty="0" err="1" smtClean="0"/>
+              <a:t>Microsoft.Owin.Security.Interop</a:t>
+            </a:r>
+            <a:r>
+              <a:rPr lang="de-DE" sz="2000" dirty="0" smtClean="0"/>
+              <a:t/>
+            </a:r>
+            <a:br>
+              <a:rPr lang="de-DE" sz="2000" dirty="0" smtClean="0"/>
+            </a:br>
+            <a:r>
+              <a:rPr lang="de-DE" sz="2000" dirty="0" smtClean="0"/>
+              <a:t/>
+            </a:r>
+            <a:br>
+              <a:rPr lang="de-DE" sz="2000" dirty="0" smtClean="0"/>
+            </a:br>
+            <a:r>
+              <a:rPr lang="de-DE" sz="2000" dirty="0" err="1"/>
+              <a:t>using</a:t>
+            </a:r>
+            <a:r>
+              <a:rPr lang="de-DE" sz="2000" dirty="0"/>
+              <a:t> </a:t>
+            </a:r>
+            <a:r>
+              <a:rPr lang="de-DE" sz="2000" dirty="0" err="1"/>
+              <a:t>Microsoft.Owin.Security.Interop</a:t>
+            </a:r>
+            <a:r>
+              <a:rPr lang="de-DE" sz="2000" dirty="0" smtClean="0"/>
+              <a:t>;</a:t>
+            </a:r>
+            <a:br>
+              <a:rPr lang="de-DE" sz="2000" dirty="0" smtClean="0"/>
+            </a:br>
+            <a:r>
+              <a:rPr lang="de-DE" sz="2000" dirty="0" err="1"/>
+              <a:t>using</a:t>
+            </a:r>
+            <a:r>
+              <a:rPr lang="de-DE" sz="2000" dirty="0"/>
+              <a:t> </a:t>
+            </a:r>
+            <a:r>
+              <a:rPr lang="de-DE" sz="2000" dirty="0" err="1" smtClean="0"/>
+              <a:t>Microsoft.AspNetCore.DataProtection</a:t>
+            </a:r>
+            <a:r>
+              <a:rPr lang="de-DE" sz="2000" dirty="0" smtClean="0"/>
+              <a:t>;</a:t>
+            </a:r>
+            <a:br>
+              <a:rPr lang="de-DE" sz="2000" dirty="0" smtClean="0"/>
+            </a:br>
+            <a:r>
+              <a:rPr lang="de-DE" sz="2000" dirty="0" smtClean="0"/>
+              <a:t/>
+            </a:r>
+            <a:br>
+              <a:rPr lang="de-DE" sz="2000" dirty="0" smtClean="0"/>
+            </a:br>
+            <a:r>
+              <a:rPr lang="de-DE" sz="2000" dirty="0" err="1">
+                <a:solidFill>
+                  <a:srgbClr val="0000FF"/>
+                </a:solidFill>
+                <a:latin typeface="Consolas"/>
+              </a:rPr>
+              <a:t>var</a:t>
+            </a:r>
+            <a:r>
+              <a:rPr lang="de-DE" sz="2000" dirty="0">
+                <a:solidFill>
+                  <a:srgbClr val="000000"/>
+                </a:solidFill>
+                <a:latin typeface="Consolas"/>
+              </a:rPr>
+              <a:t> </a:t>
+            </a:r>
+            <a:r>
+              <a:rPr lang="de-DE" sz="2000" dirty="0" err="1">
+                <a:solidFill>
+                  <a:srgbClr val="000000"/>
+                </a:solidFill>
+                <a:latin typeface="Consolas"/>
+              </a:rPr>
+              <a:t>provider</a:t>
+            </a:r>
+            <a:r>
+              <a:rPr lang="de-DE" sz="2000" dirty="0">
+                <a:solidFill>
+                  <a:srgbClr val="000000"/>
+                </a:solidFill>
+                <a:latin typeface="Consolas"/>
+              </a:rPr>
+              <a:t> = </a:t>
+            </a:r>
+            <a:r>
+              <a:rPr lang="de-DE" sz="2000" dirty="0" err="1">
+                <a:solidFill>
+                  <a:srgbClr val="000000"/>
+                </a:solidFill>
+                <a:latin typeface="Consolas"/>
+              </a:rPr>
+              <a:t>DataProtectionProvider.Create</a:t>
+            </a:r>
+            <a:r>
+              <a:rPr lang="de-DE" sz="2000" dirty="0">
+                <a:solidFill>
+                  <a:srgbClr val="000000"/>
+                </a:solidFill>
+                <a:latin typeface="Consolas"/>
+              </a:rPr>
+              <a:t>(</a:t>
+            </a:r>
+            <a:r>
+              <a:rPr lang="de-DE" sz="2000" dirty="0" err="1">
+                <a:solidFill>
+                  <a:srgbClr val="0000FF"/>
+                </a:solidFill>
+                <a:latin typeface="Consolas"/>
+              </a:rPr>
+              <a:t>new</a:t>
+            </a:r>
+            <a:r>
+              <a:rPr lang="de-DE" sz="2000" dirty="0">
+                <a:solidFill>
+                  <a:srgbClr val="000000"/>
+                </a:solidFill>
+                <a:latin typeface="Consolas"/>
+              </a:rPr>
+              <a:t> </a:t>
+            </a:r>
+            <a:r>
+              <a:rPr lang="de-DE" sz="2000" dirty="0" err="1">
+                <a:solidFill>
+                  <a:srgbClr val="0000FF"/>
+                </a:solidFill>
+                <a:latin typeface="Consolas"/>
+              </a:rPr>
+              <a:t>DirectoryInfo</a:t>
+            </a:r>
+            <a:r>
+              <a:rPr lang="de-DE" sz="2000" dirty="0">
+                <a:solidFill>
+                  <a:srgbClr val="000000"/>
+                </a:solidFill>
+                <a:latin typeface="Consolas"/>
+              </a:rPr>
+              <a:t>(</a:t>
+            </a:r>
+            <a:r>
+              <a:rPr lang="de-DE" sz="2000" dirty="0">
+                <a:solidFill>
+                  <a:srgbClr val="A31515"/>
+                </a:solidFill>
+                <a:latin typeface="Consolas"/>
+              </a:rPr>
+              <a:t>@"c:\</a:t>
+            </a:r>
+            <a:r>
+              <a:rPr lang="de-DE" sz="2000" dirty="0" err="1">
+                <a:solidFill>
+                  <a:srgbClr val="A31515"/>
+                </a:solidFill>
+                <a:latin typeface="Consolas"/>
+              </a:rPr>
+              <a:t>shared</a:t>
+            </a:r>
+            <a:r>
+              <a:rPr lang="de-DE" sz="2000" dirty="0">
+                <a:solidFill>
+                  <a:srgbClr val="A31515"/>
+                </a:solidFill>
+                <a:latin typeface="Consolas"/>
+              </a:rPr>
+              <a:t>-</a:t>
+            </a:r>
+            <a:r>
+              <a:rPr lang="de-DE" sz="2000" dirty="0" err="1">
+                <a:solidFill>
+                  <a:srgbClr val="A31515"/>
+                </a:solidFill>
+                <a:latin typeface="Consolas"/>
+              </a:rPr>
+              <a:t>auth</a:t>
+            </a:r>
+            <a:r>
+              <a:rPr lang="de-DE" sz="2000" dirty="0">
+                <a:solidFill>
+                  <a:srgbClr val="A31515"/>
+                </a:solidFill>
+                <a:latin typeface="Consolas"/>
+              </a:rPr>
+              <a:t>-ticket-</a:t>
+            </a:r>
+            <a:r>
+              <a:rPr lang="de-DE" sz="2000" dirty="0" err="1">
+                <a:solidFill>
+                  <a:srgbClr val="A31515"/>
+                </a:solidFill>
+                <a:latin typeface="Consolas"/>
+              </a:rPr>
+              <a:t>keys</a:t>
+            </a:r>
+            <a:r>
+              <a:rPr lang="de-DE" sz="2000" dirty="0">
+                <a:solidFill>
+                  <a:srgbClr val="A31515"/>
+                </a:solidFill>
+                <a:latin typeface="Consolas"/>
+              </a:rPr>
+              <a:t>\"</a:t>
+            </a:r>
+            <a:r>
+              <a:rPr lang="de-DE" sz="2000" dirty="0">
+                <a:solidFill>
+                  <a:srgbClr val="000000"/>
+                </a:solidFill>
+                <a:latin typeface="Consolas"/>
+              </a:rPr>
+              <a:t>));</a:t>
+            </a:r>
+          </a:p>
+          <a:p>
+            <a:pPr marL="0" indent="0">
+              <a:buNone/>
+            </a:pPr>
+            <a:r>
+              <a:rPr lang="de-DE" sz="2000" dirty="0" err="1">
+                <a:solidFill>
+                  <a:srgbClr val="0000FF"/>
+                </a:solidFill>
+                <a:latin typeface="Consolas"/>
+              </a:rPr>
+              <a:t>var</a:t>
+            </a:r>
+            <a:r>
+              <a:rPr lang="de-DE" sz="2000" dirty="0">
+                <a:solidFill>
+                  <a:srgbClr val="000000"/>
+                </a:solidFill>
+                <a:latin typeface="Consolas"/>
+              </a:rPr>
+              <a:t> </a:t>
+            </a:r>
+            <a:r>
+              <a:rPr lang="de-DE" sz="2000" dirty="0" err="1">
+                <a:solidFill>
+                  <a:srgbClr val="000000"/>
+                </a:solidFill>
+                <a:latin typeface="Consolas"/>
+              </a:rPr>
+              <a:t>dataProtector</a:t>
+            </a:r>
+            <a:r>
+              <a:rPr lang="de-DE" sz="2000" dirty="0">
+                <a:solidFill>
+                  <a:srgbClr val="000000"/>
+                </a:solidFill>
+                <a:latin typeface="Consolas"/>
+              </a:rPr>
+              <a:t> = </a:t>
+            </a:r>
+            <a:r>
+              <a:rPr lang="de-DE" sz="2000" dirty="0" err="1">
+                <a:solidFill>
+                  <a:srgbClr val="000000"/>
+                </a:solidFill>
+                <a:latin typeface="Consolas"/>
+              </a:rPr>
+              <a:t>provider.CreateProtector</a:t>
+            </a:r>
+            <a:r>
+              <a:rPr lang="de-DE" sz="2000" dirty="0">
+                <a:solidFill>
+                  <a:srgbClr val="000000"/>
+                </a:solidFill>
+                <a:latin typeface="Consolas"/>
+              </a:rPr>
+              <a:t>(</a:t>
+            </a:r>
+            <a:r>
+              <a:rPr lang="de-DE" sz="2000" dirty="0">
+                <a:solidFill>
+                  <a:srgbClr val="A31515"/>
+                </a:solidFill>
+                <a:latin typeface="Consolas"/>
+              </a:rPr>
+              <a:t>"Microsoft.AspNetCore.Authentication.Cookies.CookieAuthenticationMiddleware</a:t>
+            </a:r>
+            <a:r>
+              <a:rPr lang="de-DE" sz="2000" dirty="0" smtClean="0">
+                <a:solidFill>
+                  <a:srgbClr val="A31515"/>
+                </a:solidFill>
+                <a:latin typeface="Consolas"/>
+              </a:rPr>
+              <a:t>"</a:t>
+            </a:r>
+            <a:r>
+              <a:rPr lang="de-DE" sz="2000" dirty="0" smtClean="0">
+                <a:solidFill>
+                  <a:srgbClr val="000000"/>
+                </a:solidFill>
+                <a:latin typeface="Consolas"/>
+              </a:rPr>
+              <a:t>,</a:t>
+            </a:r>
+            <a:r>
+              <a:rPr lang="de-DE" sz="2000" dirty="0" smtClean="0">
+                <a:solidFill>
+                  <a:srgbClr val="A31515"/>
+                </a:solidFill>
+                <a:latin typeface="Consolas"/>
+              </a:rPr>
+              <a:t>"</a:t>
+            </a:r>
+            <a:r>
+              <a:rPr lang="de-DE" sz="2000" dirty="0">
+                <a:solidFill>
+                  <a:srgbClr val="A31515"/>
+                </a:solidFill>
+                <a:latin typeface="Consolas"/>
+              </a:rPr>
+              <a:t>Cookies"</a:t>
+            </a:r>
+            <a:r>
+              <a:rPr lang="de-DE" sz="2000" dirty="0">
+                <a:solidFill>
+                  <a:srgbClr val="000000"/>
+                </a:solidFill>
+                <a:latin typeface="Consolas"/>
+              </a:rPr>
+              <a:t>, </a:t>
+            </a:r>
+            <a:r>
+              <a:rPr lang="de-DE" sz="2000" dirty="0">
+                <a:solidFill>
+                  <a:srgbClr val="A31515"/>
+                </a:solidFill>
+                <a:latin typeface="Consolas"/>
+              </a:rPr>
+              <a:t>"v2"</a:t>
+            </a:r>
+            <a:r>
+              <a:rPr lang="de-DE" sz="2000" dirty="0">
+                <a:solidFill>
+                  <a:srgbClr val="000000"/>
+                </a:solidFill>
+                <a:latin typeface="Consolas"/>
+              </a:rPr>
+              <a:t>);</a:t>
+            </a:r>
+          </a:p>
+          <a:p>
+            <a:pPr marL="0" indent="0">
+              <a:buNone/>
+            </a:pPr>
+            <a:r>
+              <a:rPr lang="de-DE" sz="2000" dirty="0">
+                <a:solidFill>
+                  <a:srgbClr val="000000"/>
+                </a:solidFill>
+                <a:latin typeface="Consolas"/>
+              </a:rPr>
+              <a:t/>
+            </a:r>
+            <a:br>
+              <a:rPr lang="de-DE" sz="2000" dirty="0">
+                <a:solidFill>
+                  <a:srgbClr val="000000"/>
+                </a:solidFill>
+                <a:latin typeface="Consolas"/>
+              </a:rPr>
+            </a:br>
+            <a:r>
+              <a:rPr lang="de-DE" sz="2000" dirty="0" err="1" smtClean="0">
+                <a:solidFill>
+                  <a:srgbClr val="000000"/>
+                </a:solidFill>
+                <a:latin typeface="Consolas"/>
+              </a:rPr>
+              <a:t>app.UseCookieAuthentication</a:t>
+            </a:r>
+            <a:r>
+              <a:rPr lang="de-DE" sz="2000" dirty="0" smtClean="0">
+                <a:solidFill>
+                  <a:srgbClr val="000000"/>
+                </a:solidFill>
+                <a:latin typeface="Consolas"/>
+              </a:rPr>
+              <a:t>( </a:t>
+            </a:r>
+            <a:r>
+              <a:rPr lang="de-DE" sz="2000" dirty="0" err="1" smtClean="0">
+                <a:solidFill>
+                  <a:srgbClr val="0000FF"/>
+                </a:solidFill>
+                <a:latin typeface="Consolas"/>
+              </a:rPr>
+              <a:t>new</a:t>
+            </a:r>
+            <a:r>
+              <a:rPr lang="de-DE" sz="2000" dirty="0" smtClean="0">
+                <a:solidFill>
+                  <a:srgbClr val="000000"/>
+                </a:solidFill>
+                <a:latin typeface="Consolas"/>
+              </a:rPr>
+              <a:t> </a:t>
+            </a:r>
+            <a:r>
+              <a:rPr lang="de-DE" sz="2000" dirty="0" err="1">
+                <a:solidFill>
+                  <a:srgbClr val="0000FF"/>
+                </a:solidFill>
+                <a:latin typeface="Consolas"/>
+              </a:rPr>
+              <a:t>CookieAuthenticationOptions</a:t>
+            </a:r>
+            <a:r>
+              <a:rPr lang="de-DE" sz="2000" dirty="0">
+                <a:solidFill>
+                  <a:srgbClr val="000000"/>
+                </a:solidFill>
+                <a:latin typeface="Consolas"/>
+              </a:rPr>
+              <a:t> </a:t>
+            </a:r>
+            <a:r>
+              <a:rPr lang="de-DE" sz="2000" dirty="0" smtClean="0">
+                <a:solidFill>
+                  <a:srgbClr val="000000"/>
+                </a:solidFill>
+                <a:latin typeface="Consolas"/>
+              </a:rPr>
+              <a:t>{</a:t>
+            </a:r>
+            <a:br>
+              <a:rPr lang="de-DE" sz="2000" dirty="0" smtClean="0">
+                <a:solidFill>
+                  <a:srgbClr val="000000"/>
+                </a:solidFill>
+                <a:latin typeface="Consolas"/>
+              </a:rPr>
+            </a:br>
+            <a:r>
+              <a:rPr lang="de-DE" sz="2000" dirty="0" smtClean="0">
+                <a:solidFill>
+                  <a:srgbClr val="000000"/>
+                </a:solidFill>
+                <a:latin typeface="Consolas"/>
+              </a:rPr>
+              <a:t>  </a:t>
+            </a:r>
+            <a:r>
+              <a:rPr lang="de-DE" sz="2000" dirty="0" err="1" smtClean="0">
+                <a:solidFill>
+                  <a:srgbClr val="000000"/>
+                </a:solidFill>
+                <a:latin typeface="Consolas"/>
+              </a:rPr>
+              <a:t>AuthenticationType</a:t>
+            </a:r>
+            <a:r>
+              <a:rPr lang="de-DE" sz="2000" dirty="0" smtClean="0">
+                <a:solidFill>
+                  <a:srgbClr val="000000"/>
+                </a:solidFill>
+                <a:latin typeface="Consolas"/>
+              </a:rPr>
+              <a:t> </a:t>
+            </a:r>
+            <a:r>
+              <a:rPr lang="de-DE" sz="2000" dirty="0">
+                <a:solidFill>
+                  <a:srgbClr val="000000"/>
+                </a:solidFill>
+                <a:latin typeface="Consolas"/>
+              </a:rPr>
+              <a:t>= </a:t>
+            </a:r>
+            <a:r>
+              <a:rPr lang="de-DE" sz="2000" dirty="0">
+                <a:solidFill>
+                  <a:srgbClr val="A31515"/>
+                </a:solidFill>
+                <a:latin typeface="Consolas"/>
+              </a:rPr>
+              <a:t>"Cookie</a:t>
+            </a:r>
+            <a:r>
+              <a:rPr lang="de-DE" sz="2000" dirty="0" smtClean="0">
+                <a:solidFill>
+                  <a:srgbClr val="A31515"/>
+                </a:solidFill>
+                <a:latin typeface="Consolas"/>
+              </a:rPr>
+              <a:t>"</a:t>
+            </a:r>
+            <a:r>
+              <a:rPr lang="de-DE" sz="2000" dirty="0" smtClean="0">
+                <a:solidFill>
+                  <a:srgbClr val="000000"/>
+                </a:solidFill>
+                <a:latin typeface="Consolas"/>
+              </a:rPr>
+              <a:t>,</a:t>
+            </a:r>
+            <a:br>
+              <a:rPr lang="de-DE" sz="2000" dirty="0" smtClean="0">
+                <a:solidFill>
+                  <a:srgbClr val="000000"/>
+                </a:solidFill>
+                <a:latin typeface="Consolas"/>
+              </a:rPr>
+            </a:br>
+            <a:r>
+              <a:rPr lang="de-DE" sz="2000" dirty="0" smtClean="0">
+                <a:solidFill>
+                  <a:srgbClr val="000000"/>
+                </a:solidFill>
+                <a:latin typeface="Consolas"/>
+              </a:rPr>
+              <a:t>  </a:t>
+            </a:r>
+            <a:r>
+              <a:rPr lang="de-DE" sz="2000" dirty="0" err="1" smtClean="0">
+                <a:solidFill>
+                  <a:srgbClr val="000000"/>
+                </a:solidFill>
+                <a:latin typeface="Consolas"/>
+              </a:rPr>
+              <a:t>CookieName</a:t>
+            </a:r>
+            <a:r>
+              <a:rPr lang="de-DE" sz="2000" dirty="0" smtClean="0">
+                <a:solidFill>
+                  <a:srgbClr val="000000"/>
+                </a:solidFill>
+                <a:latin typeface="Consolas"/>
+              </a:rPr>
+              <a:t> </a:t>
+            </a:r>
+            <a:r>
+              <a:rPr lang="de-DE" sz="2000" dirty="0">
+                <a:solidFill>
+                  <a:srgbClr val="000000"/>
+                </a:solidFill>
+                <a:latin typeface="Consolas"/>
+              </a:rPr>
+              <a:t>= </a:t>
+            </a:r>
+            <a:r>
+              <a:rPr lang="de-DE" sz="2000" dirty="0">
+                <a:solidFill>
+                  <a:srgbClr val="A31515"/>
+                </a:solidFill>
+                <a:latin typeface="Consolas"/>
+              </a:rPr>
+              <a:t>"DNC2017_SharedAuthCookie</a:t>
+            </a:r>
+            <a:r>
+              <a:rPr lang="de-DE" sz="2000" dirty="0" smtClean="0">
+                <a:solidFill>
+                  <a:srgbClr val="A31515"/>
+                </a:solidFill>
+                <a:latin typeface="Consolas"/>
+              </a:rPr>
+              <a:t>"</a:t>
+            </a:r>
+            <a:r>
+              <a:rPr lang="de-DE" sz="2000" dirty="0" smtClean="0">
+                <a:solidFill>
+                  <a:srgbClr val="000000"/>
+                </a:solidFill>
+                <a:latin typeface="Consolas"/>
+              </a:rPr>
+              <a:t>,</a:t>
+            </a:r>
+            <a:br>
+              <a:rPr lang="de-DE" sz="2000" dirty="0" smtClean="0">
+                <a:solidFill>
+                  <a:srgbClr val="000000"/>
+                </a:solidFill>
+                <a:latin typeface="Consolas"/>
+              </a:rPr>
+            </a:br>
+            <a:r>
+              <a:rPr lang="de-DE" sz="2000" dirty="0" smtClean="0">
+                <a:solidFill>
+                  <a:srgbClr val="000000"/>
+                </a:solidFill>
+                <a:latin typeface="Consolas"/>
+              </a:rPr>
+              <a:t>  </a:t>
+            </a:r>
+            <a:r>
+              <a:rPr lang="de-DE" sz="2000" dirty="0" err="1" smtClean="0">
+                <a:solidFill>
+                  <a:srgbClr val="000000"/>
+                </a:solidFill>
+                <a:latin typeface="Consolas"/>
+              </a:rPr>
+              <a:t>CookiePath</a:t>
+            </a:r>
+            <a:r>
+              <a:rPr lang="de-DE" sz="2000" dirty="0" smtClean="0">
+                <a:solidFill>
+                  <a:srgbClr val="000000"/>
+                </a:solidFill>
+                <a:latin typeface="Consolas"/>
+              </a:rPr>
+              <a:t> </a:t>
+            </a:r>
+            <a:r>
+              <a:rPr lang="de-DE" sz="2000" dirty="0">
+                <a:solidFill>
+                  <a:srgbClr val="000000"/>
+                </a:solidFill>
+                <a:latin typeface="Consolas"/>
+              </a:rPr>
+              <a:t>= </a:t>
+            </a:r>
+            <a:r>
+              <a:rPr lang="de-DE" sz="2000" dirty="0" smtClean="0">
+                <a:solidFill>
+                  <a:srgbClr val="A31515"/>
+                </a:solidFill>
+                <a:latin typeface="Consolas"/>
+              </a:rPr>
+              <a:t>"/"</a:t>
+            </a:r>
+            <a:r>
+              <a:rPr lang="de-DE" sz="2000" dirty="0" smtClean="0">
+                <a:solidFill>
+                  <a:srgbClr val="000000"/>
+                </a:solidFill>
+                <a:latin typeface="Consolas"/>
+              </a:rPr>
+              <a:t>,</a:t>
+            </a:r>
+            <a:br>
+              <a:rPr lang="de-DE" sz="2000" dirty="0" smtClean="0">
+                <a:solidFill>
+                  <a:srgbClr val="000000"/>
+                </a:solidFill>
+                <a:latin typeface="Consolas"/>
+              </a:rPr>
+            </a:br>
+            <a:r>
+              <a:rPr lang="de-DE" sz="2000" dirty="0" smtClean="0">
+                <a:solidFill>
+                  <a:srgbClr val="000000"/>
+                </a:solidFill>
+                <a:latin typeface="Consolas"/>
+              </a:rPr>
+              <a:t>  </a:t>
+            </a:r>
+            <a:r>
+              <a:rPr lang="de-DE" sz="2000" dirty="0" err="1" smtClean="0">
+                <a:solidFill>
+                  <a:srgbClr val="000000"/>
+                </a:solidFill>
+                <a:latin typeface="Consolas"/>
+              </a:rPr>
+              <a:t>CookieSecure</a:t>
+            </a:r>
+            <a:r>
+              <a:rPr lang="de-DE" sz="2000" dirty="0" smtClean="0">
+                <a:solidFill>
+                  <a:srgbClr val="000000"/>
+                </a:solidFill>
+                <a:latin typeface="Consolas"/>
+              </a:rPr>
+              <a:t> </a:t>
+            </a:r>
+            <a:r>
+              <a:rPr lang="de-DE" sz="2000" dirty="0">
+                <a:solidFill>
+                  <a:srgbClr val="000000"/>
+                </a:solidFill>
+                <a:latin typeface="Consolas"/>
+              </a:rPr>
+              <a:t>= </a:t>
+            </a:r>
+            <a:r>
+              <a:rPr lang="de-DE" sz="2000" dirty="0" err="1">
+                <a:solidFill>
+                  <a:srgbClr val="000000"/>
+                </a:solidFill>
+                <a:latin typeface="Consolas"/>
+              </a:rPr>
+              <a:t>CookieSecureOption.Always</a:t>
+            </a:r>
+            <a:r>
+              <a:rPr lang="de-DE" sz="2000" dirty="0">
+                <a:solidFill>
+                  <a:srgbClr val="000000"/>
+                </a:solidFill>
+                <a:latin typeface="Consolas"/>
+              </a:rPr>
+              <a:t>,</a:t>
+            </a:r>
+          </a:p>
+          <a:p>
+            <a:pPr marL="0" indent="0">
+              <a:buNone/>
+            </a:pPr>
+            <a:r>
+              <a:rPr lang="de-DE" sz="2000" dirty="0">
+                <a:solidFill>
+                  <a:srgbClr val="008000"/>
+                </a:solidFill>
+                <a:latin typeface="Consolas"/>
+              </a:rPr>
+              <a:t>// @Note: </a:t>
+            </a:r>
+            <a:r>
+              <a:rPr lang="de-DE" sz="2000" dirty="0" err="1">
+                <a:solidFill>
+                  <a:srgbClr val="008000"/>
+                </a:solidFill>
+                <a:latin typeface="Consolas"/>
+              </a:rPr>
+              <a:t>add</a:t>
+            </a:r>
+            <a:r>
+              <a:rPr lang="de-DE" sz="2000" dirty="0">
+                <a:solidFill>
+                  <a:srgbClr val="008000"/>
+                </a:solidFill>
+                <a:latin typeface="Consolas"/>
+              </a:rPr>
+              <a:t> </a:t>
+            </a:r>
+            <a:r>
+              <a:rPr lang="de-DE" sz="2000" dirty="0" err="1">
+                <a:solidFill>
+                  <a:srgbClr val="008000"/>
+                </a:solidFill>
+                <a:latin typeface="Consolas"/>
+              </a:rPr>
+              <a:t>this</a:t>
+            </a:r>
+            <a:r>
+              <a:rPr lang="de-DE" sz="2000" dirty="0">
+                <a:solidFill>
+                  <a:srgbClr val="008000"/>
+                </a:solidFill>
+                <a:latin typeface="Consolas"/>
+              </a:rPr>
+              <a:t> </a:t>
+            </a:r>
+            <a:r>
+              <a:rPr lang="de-DE" sz="2000" dirty="0" err="1">
+                <a:solidFill>
+                  <a:srgbClr val="008000"/>
+                </a:solidFill>
+                <a:latin typeface="Consolas"/>
+              </a:rPr>
+              <a:t>to</a:t>
+            </a:r>
+            <a:r>
+              <a:rPr lang="de-DE" sz="2000" dirty="0">
+                <a:solidFill>
+                  <a:srgbClr val="008000"/>
+                </a:solidFill>
+                <a:latin typeface="Consolas"/>
+              </a:rPr>
+              <a:t> </a:t>
+            </a:r>
+            <a:r>
+              <a:rPr lang="de-DE" sz="2000" dirty="0" err="1">
+                <a:solidFill>
+                  <a:srgbClr val="008000"/>
+                </a:solidFill>
+                <a:latin typeface="Consolas"/>
+              </a:rPr>
+              <a:t>share</a:t>
+            </a:r>
+            <a:r>
+              <a:rPr lang="de-DE" sz="2000" dirty="0">
+                <a:solidFill>
+                  <a:srgbClr val="008000"/>
+                </a:solidFill>
+                <a:latin typeface="Consolas"/>
+              </a:rPr>
+              <a:t> </a:t>
+            </a:r>
+            <a:r>
+              <a:rPr lang="de-DE" sz="2000" dirty="0" err="1">
+                <a:solidFill>
+                  <a:srgbClr val="008000"/>
+                </a:solidFill>
+                <a:latin typeface="Consolas"/>
+              </a:rPr>
+              <a:t>dataprotection</a:t>
+            </a:r>
+            <a:r>
+              <a:rPr lang="de-DE" sz="2000" dirty="0">
+                <a:solidFill>
+                  <a:srgbClr val="008000"/>
+                </a:solidFill>
+                <a:latin typeface="Consolas"/>
+              </a:rPr>
+              <a:t> </a:t>
+            </a:r>
+            <a:r>
+              <a:rPr lang="de-DE" sz="2000" dirty="0" err="1">
+                <a:solidFill>
+                  <a:srgbClr val="008000"/>
+                </a:solidFill>
+                <a:latin typeface="Consolas"/>
+              </a:rPr>
+              <a:t>keys</a:t>
+            </a:r>
+            <a:endParaRPr lang="de-DE" sz="2000" dirty="0">
+              <a:solidFill>
+                <a:srgbClr val="000000"/>
+              </a:solidFill>
+              <a:latin typeface="Consolas"/>
+            </a:endParaRPr>
+          </a:p>
+          <a:p>
+            <a:pPr marL="0" indent="0">
+              <a:buNone/>
+            </a:pPr>
+            <a:r>
+              <a:rPr lang="de-DE" sz="2000" dirty="0" err="1">
+                <a:solidFill>
+                  <a:srgbClr val="000000"/>
+                </a:solidFill>
+                <a:latin typeface="Consolas"/>
+              </a:rPr>
+              <a:t>TicketDataFormat</a:t>
+            </a:r>
+            <a:r>
+              <a:rPr lang="de-DE" sz="2000" dirty="0">
+                <a:solidFill>
+                  <a:srgbClr val="000000"/>
+                </a:solidFill>
+                <a:latin typeface="Consolas"/>
+              </a:rPr>
+              <a:t> = </a:t>
+            </a:r>
+            <a:r>
+              <a:rPr lang="de-DE" sz="2000" dirty="0" err="1">
+                <a:solidFill>
+                  <a:srgbClr val="0000FF"/>
+                </a:solidFill>
+                <a:latin typeface="Consolas"/>
+              </a:rPr>
+              <a:t>new</a:t>
+            </a:r>
+            <a:r>
+              <a:rPr lang="de-DE" sz="2000" dirty="0">
+                <a:solidFill>
+                  <a:srgbClr val="000000"/>
+                </a:solidFill>
+                <a:latin typeface="Consolas"/>
+              </a:rPr>
+              <a:t> </a:t>
+            </a:r>
+            <a:r>
+              <a:rPr lang="de-DE" sz="2000" dirty="0" err="1">
+                <a:solidFill>
+                  <a:srgbClr val="0000FF"/>
+                </a:solidFill>
+                <a:latin typeface="Consolas"/>
+              </a:rPr>
+              <a:t>AspNetTicketDataFormat</a:t>
+            </a:r>
+            <a:r>
+              <a:rPr lang="de-DE" sz="2000" dirty="0">
+                <a:solidFill>
+                  <a:srgbClr val="000000"/>
+                </a:solidFill>
+                <a:latin typeface="Consolas"/>
+              </a:rPr>
+              <a:t>(</a:t>
+            </a:r>
+            <a:r>
+              <a:rPr lang="de-DE" sz="2000" dirty="0" err="1">
+                <a:solidFill>
+                  <a:srgbClr val="0000FF"/>
+                </a:solidFill>
+                <a:latin typeface="Consolas"/>
+              </a:rPr>
+              <a:t>new</a:t>
+            </a:r>
+            <a:r>
+              <a:rPr lang="de-DE" sz="2000" dirty="0">
+                <a:solidFill>
+                  <a:srgbClr val="000000"/>
+                </a:solidFill>
+                <a:latin typeface="Consolas"/>
+              </a:rPr>
+              <a:t> </a:t>
+            </a:r>
+            <a:r>
+              <a:rPr lang="de-DE" sz="2000" dirty="0" err="1">
+                <a:solidFill>
+                  <a:srgbClr val="0000FF"/>
+                </a:solidFill>
+                <a:latin typeface="Consolas"/>
+              </a:rPr>
+              <a:t>DataProtectorShim</a:t>
+            </a:r>
+            <a:r>
+              <a:rPr lang="de-DE" sz="2000" dirty="0">
+                <a:solidFill>
+                  <a:srgbClr val="000000"/>
+                </a:solidFill>
+                <a:latin typeface="Consolas"/>
+              </a:rPr>
+              <a:t>( </a:t>
+            </a:r>
+            <a:r>
+              <a:rPr lang="de-DE" sz="2000" dirty="0" err="1">
+                <a:solidFill>
+                  <a:srgbClr val="000000"/>
+                </a:solidFill>
+                <a:latin typeface="Consolas"/>
+              </a:rPr>
+              <a:t>dataProtector</a:t>
+            </a:r>
+            <a:r>
+              <a:rPr lang="de-DE" sz="2000" dirty="0">
+                <a:solidFill>
+                  <a:srgbClr val="000000"/>
+                </a:solidFill>
+                <a:latin typeface="Consolas"/>
+              </a:rPr>
+              <a:t>)),</a:t>
+            </a:r>
+          </a:p>
+          <a:p>
+            <a:pPr marL="0" indent="0">
+              <a:buNone/>
+            </a:pPr>
+            <a:r>
+              <a:rPr lang="de-DE" sz="2000" dirty="0">
+                <a:solidFill>
+                  <a:srgbClr val="008000"/>
+                </a:solidFill>
+                <a:latin typeface="Consolas"/>
+              </a:rPr>
+              <a:t>// @Note: </a:t>
+            </a:r>
+            <a:r>
+              <a:rPr lang="de-DE" sz="2000" dirty="0" err="1">
+                <a:solidFill>
+                  <a:srgbClr val="008000"/>
+                </a:solidFill>
+                <a:latin typeface="Consolas"/>
+              </a:rPr>
+              <a:t>add</a:t>
+            </a:r>
+            <a:r>
+              <a:rPr lang="de-DE" sz="2000" dirty="0">
+                <a:solidFill>
+                  <a:srgbClr val="008000"/>
+                </a:solidFill>
+                <a:latin typeface="Consolas"/>
+              </a:rPr>
+              <a:t> </a:t>
+            </a:r>
+            <a:r>
+              <a:rPr lang="de-DE" sz="2000" dirty="0" err="1">
+                <a:solidFill>
+                  <a:srgbClr val="008000"/>
+                </a:solidFill>
+                <a:latin typeface="Consolas"/>
+              </a:rPr>
+              <a:t>Microsoft.Owin.Security.Interop.ChunkingCookieManager</a:t>
+            </a:r>
+            <a:r>
+              <a:rPr lang="de-DE" sz="2000" dirty="0">
+                <a:solidFill>
+                  <a:srgbClr val="008000"/>
+                </a:solidFill>
+                <a:latin typeface="Consolas"/>
+              </a:rPr>
+              <a:t> </a:t>
+            </a:r>
+            <a:r>
+              <a:rPr lang="de-DE" sz="2000" dirty="0" err="1">
+                <a:solidFill>
+                  <a:srgbClr val="008000"/>
+                </a:solidFill>
+                <a:latin typeface="Consolas"/>
+              </a:rPr>
+              <a:t>because</a:t>
+            </a:r>
+            <a:r>
+              <a:rPr lang="de-DE" sz="2000" dirty="0">
+                <a:solidFill>
+                  <a:srgbClr val="008000"/>
+                </a:solidFill>
+                <a:latin typeface="Consolas"/>
+              </a:rPr>
+              <a:t> ASP.NET Core </a:t>
+            </a:r>
+            <a:r>
+              <a:rPr lang="de-DE" sz="2000" dirty="0" err="1">
+                <a:solidFill>
+                  <a:srgbClr val="008000"/>
+                </a:solidFill>
+                <a:latin typeface="Consolas"/>
+              </a:rPr>
+              <a:t>uses</a:t>
+            </a:r>
+            <a:r>
+              <a:rPr lang="de-DE" sz="2000" dirty="0">
+                <a:solidFill>
+                  <a:srgbClr val="008000"/>
+                </a:solidFill>
+                <a:latin typeface="Consolas"/>
+              </a:rPr>
+              <a:t> </a:t>
+            </a:r>
+            <a:r>
+              <a:rPr lang="de-DE" sz="2000" dirty="0" err="1">
+                <a:solidFill>
+                  <a:srgbClr val="008000"/>
+                </a:solidFill>
+                <a:latin typeface="Consolas"/>
+              </a:rPr>
+              <a:t>this</a:t>
+            </a:r>
+            <a:r>
+              <a:rPr lang="de-DE" sz="2000" dirty="0">
+                <a:solidFill>
+                  <a:srgbClr val="008000"/>
+                </a:solidFill>
+                <a:latin typeface="Consolas"/>
+              </a:rPr>
+              <a:t> </a:t>
+            </a:r>
+            <a:r>
+              <a:rPr lang="de-DE" sz="2000" dirty="0" err="1">
+                <a:solidFill>
+                  <a:srgbClr val="008000"/>
+                </a:solidFill>
+                <a:latin typeface="Consolas"/>
+              </a:rPr>
+              <a:t>new</a:t>
+            </a:r>
+            <a:r>
+              <a:rPr lang="de-DE" sz="2000" dirty="0">
+                <a:solidFill>
+                  <a:srgbClr val="008000"/>
+                </a:solidFill>
+                <a:latin typeface="Consolas"/>
+              </a:rPr>
+              <a:t> Manager</a:t>
+            </a:r>
+            <a:endParaRPr lang="de-DE" sz="2000" dirty="0">
+              <a:solidFill>
+                <a:srgbClr val="000000"/>
+              </a:solidFill>
+              <a:latin typeface="Consolas"/>
+            </a:endParaRPr>
+          </a:p>
+          <a:p>
+            <a:pPr marL="0" indent="0">
+              <a:buNone/>
+            </a:pPr>
+            <a:r>
+              <a:rPr lang="de-DE" sz="2000" dirty="0" err="1">
+                <a:solidFill>
+                  <a:srgbClr val="000000"/>
+                </a:solidFill>
+                <a:latin typeface="Consolas"/>
+              </a:rPr>
+              <a:t>CookieManager</a:t>
+            </a:r>
+            <a:r>
+              <a:rPr lang="de-DE" sz="2000" dirty="0">
+                <a:solidFill>
+                  <a:srgbClr val="000000"/>
+                </a:solidFill>
+                <a:latin typeface="Consolas"/>
+              </a:rPr>
+              <a:t> = </a:t>
+            </a:r>
+            <a:r>
+              <a:rPr lang="de-DE" sz="2000" dirty="0" err="1">
+                <a:solidFill>
+                  <a:srgbClr val="0000FF"/>
+                </a:solidFill>
+                <a:latin typeface="Consolas"/>
+              </a:rPr>
+              <a:t>new</a:t>
+            </a:r>
+            <a:r>
+              <a:rPr lang="de-DE" sz="2000" dirty="0">
+                <a:solidFill>
+                  <a:srgbClr val="000000"/>
+                </a:solidFill>
+                <a:latin typeface="Consolas"/>
+              </a:rPr>
+              <a:t> </a:t>
+            </a:r>
+            <a:r>
+              <a:rPr lang="de-DE" sz="2000" dirty="0" err="1">
+                <a:solidFill>
+                  <a:srgbClr val="0000FF"/>
+                </a:solidFill>
+                <a:latin typeface="Consolas"/>
+              </a:rPr>
+              <a:t>ChunkingCookieManager</a:t>
+            </a:r>
+            <a:r>
+              <a:rPr lang="de-DE" sz="2000" dirty="0">
+                <a:solidFill>
+                  <a:srgbClr val="000000"/>
+                </a:solidFill>
+                <a:latin typeface="Consolas"/>
+              </a:rPr>
+              <a:t>()</a:t>
+            </a:r>
+          </a:p>
+          <a:p>
+            <a:pPr marL="0" indent="0">
+              <a:buNone/>
+            </a:pPr>
+            <a:r>
+              <a:rPr lang="de-DE" sz="2000" dirty="0">
+                <a:solidFill>
+                  <a:srgbClr val="000000"/>
+                </a:solidFill>
+                <a:latin typeface="Consolas"/>
+              </a:rPr>
+              <a:t>});</a:t>
+            </a:r>
+          </a:p>
+          <a:p>
+            <a:pPr marL="0" indent="0">
+              <a:buNone/>
+            </a:pPr>
+            <a:r>
+              <a:rPr lang="de-DE" sz="2000" dirty="0">
+                <a:solidFill>
+                  <a:srgbClr val="000000"/>
+                </a:solidFill>
+                <a:latin typeface="Consolas"/>
+              </a:rPr>
+              <a:t/>
+            </a:r>
+            <a:br>
+              <a:rPr lang="de-DE" sz="2000" dirty="0">
+                <a:solidFill>
+                  <a:srgbClr val="000000"/>
+                </a:solidFill>
+                <a:latin typeface="Consolas"/>
+              </a:rPr>
+            </a:br>
+            <a:endParaRPr lang="de-DE" sz="2000" dirty="0">
+              <a:solidFill>
+                <a:srgbClr val="000000"/>
+              </a:solidFill>
+              <a:latin typeface="Consolas"/>
+            </a:endParaRPr>
+          </a:p>
+          <a:p>
+            <a:pPr marL="0" indent="0">
+              <a:buNone/>
+            </a:pPr>
+            <a:r>
+              <a:rPr lang="de-DE" sz="2000" dirty="0" smtClean="0"/>
+              <a:t/>
+            </a:r>
+            <a:br>
+              <a:rPr lang="de-DE" sz="2000" dirty="0" smtClean="0"/>
+            </a:br>
+            <a:endParaRPr lang="de-DE" sz="2000" dirty="0"/>
+          </a:p>
+        </p:txBody>
+      </p:sp>
+    </p:spTree>
+    <p:extLst>
+      <p:ext uri="{BB962C8B-B14F-4D97-AF65-F5344CB8AC3E}">
+        <p14:creationId xmlns:p14="http://schemas.microsoft.com/office/powerpoint/2010/main" val="1067108809"/>
+      </p:ext>
+    </p:extLst>
+  </p:cSld>
+  <p:clrMapOvr>
+    <a:masterClrMapping/>
+  </p:clrMapOvr>
+</p:sld>
+</file>
+
+<file path=ppt/slides/slide14.xml><?xml version="1.0" encoding="utf-8"?>
+<p:sld xmlns:a="http://schemas.openxmlformats.org/drawingml/2006/main" xmlns:r="http://schemas.openxmlformats.org/officeDocument/2006/relationships" xmlns:p="http://schemas.openxmlformats.org/presentationml/2006/main">
+  <p:cSld>
+    <p:spTree>
+      <p:nvGrpSpPr>
+        <p:cNvPr id="1" name=""/>
+        <p:cNvGrpSpPr/>
+        <p:nvPr/>
+      </p:nvGrpSpPr>
+      <p:grpSpPr>
+        <a:xfrm>
+          <a:off x="0" y="0"/>
+          <a:ext cx="0" cy="0"/>
+          <a:chOff x="0" y="0"/>
+          <a:chExt cx="0" cy="0"/>
+        </a:xfrm>
+      </p:grpSpPr>
+      <p:sp>
+        <p:nvSpPr>
+          <p:cNvPr id="2" name="Titel 1"/>
+          <p:cNvSpPr>
+            <a:spLocks noGrp="1"/>
+          </p:cNvSpPr>
+          <p:nvPr>
+            <p:ph type="title"/>
+          </p:nvPr>
+        </p:nvSpPr>
+        <p:spPr/>
+        <p:txBody>
+          <a:bodyPr/>
+          <a:lstStyle/>
+          <a:p>
+            <a:r>
+              <a:rPr lang="de-DE" dirty="0" smtClean="0"/>
+              <a:t>LINKS – Cookies Sharing</a:t>
+            </a:r>
+            <a:endParaRPr lang="de-DE" dirty="0"/>
+          </a:p>
+        </p:txBody>
+      </p:sp>
+      <p:sp>
+        <p:nvSpPr>
+          <p:cNvPr id="3" name="Inhaltsplatzhalter 2"/>
+          <p:cNvSpPr>
+            <a:spLocks noGrp="1"/>
+          </p:cNvSpPr>
+          <p:nvPr>
+            <p:ph idx="1"/>
+          </p:nvPr>
+        </p:nvSpPr>
+        <p:spPr/>
+        <p:txBody>
+          <a:bodyPr/>
+          <a:lstStyle/>
+          <a:p>
+            <a:r>
+              <a:rPr lang="de-DE" sz="2400" dirty="0" smtClean="0">
+                <a:hlinkClick r:id="rId2"/>
+              </a:rPr>
+              <a:t>Microsoft </a:t>
+            </a:r>
+            <a:r>
+              <a:rPr lang="de-DE" sz="2400" dirty="0" err="1">
+                <a:hlinkClick r:id="rId2"/>
+              </a:rPr>
+              <a:t>Docs</a:t>
+            </a:r>
+            <a:r>
+              <a:rPr lang="de-DE" sz="2400" dirty="0">
+                <a:hlinkClick r:id="rId2"/>
+              </a:rPr>
+              <a:t>: Sharing </a:t>
+            </a:r>
+            <a:r>
+              <a:rPr lang="de-DE" sz="2400" dirty="0" err="1">
+                <a:hlinkClick r:id="rId2"/>
+              </a:rPr>
+              <a:t>authentication</a:t>
+            </a:r>
+            <a:r>
+              <a:rPr lang="de-DE" sz="2400" dirty="0">
+                <a:hlinkClick r:id="rId2"/>
+              </a:rPr>
+              <a:t> </a:t>
+            </a:r>
+            <a:r>
+              <a:rPr lang="de-DE" sz="2400" dirty="0" err="1">
+                <a:hlinkClick r:id="rId2"/>
+              </a:rPr>
+              <a:t>cookies</a:t>
+            </a:r>
+            <a:r>
+              <a:rPr lang="de-DE" sz="2400" dirty="0">
+                <a:hlinkClick r:id="rId2"/>
+              </a:rPr>
+              <a:t> </a:t>
+            </a:r>
+            <a:r>
+              <a:rPr lang="de-DE" sz="2400" dirty="0" err="1">
+                <a:hlinkClick r:id="rId2"/>
+              </a:rPr>
+              <a:t>between</a:t>
+            </a:r>
+            <a:r>
+              <a:rPr lang="de-DE" sz="2400" dirty="0">
+                <a:hlinkClick r:id="rId2"/>
+              </a:rPr>
+              <a:t> ASP.NET 4.x </a:t>
+            </a:r>
+            <a:r>
+              <a:rPr lang="de-DE" sz="2400" dirty="0" err="1">
+                <a:hlinkClick r:id="rId2"/>
+              </a:rPr>
+              <a:t>and</a:t>
+            </a:r>
+            <a:r>
+              <a:rPr lang="de-DE" sz="2400" dirty="0">
+                <a:hlinkClick r:id="rId2"/>
+              </a:rPr>
+              <a:t> ASP.NET Core </a:t>
+            </a:r>
+            <a:r>
+              <a:rPr lang="de-DE" sz="2400" dirty="0" err="1">
+                <a:hlinkClick r:id="rId2"/>
+              </a:rPr>
+              <a:t>applications</a:t>
+            </a:r>
+            <a:endParaRPr lang="de-DE" sz="2400" dirty="0"/>
+          </a:p>
+          <a:p>
+            <a:r>
+              <a:rPr lang="de-DE" sz="2400" dirty="0">
+                <a:hlinkClick r:id="rId3"/>
+              </a:rPr>
+              <a:t>SCOTT HANSELMAN: Sharing </a:t>
+            </a:r>
+            <a:r>
+              <a:rPr lang="de-DE" sz="2400" dirty="0" err="1">
+                <a:hlinkClick r:id="rId3"/>
+              </a:rPr>
+              <a:t>Authorization</a:t>
+            </a:r>
+            <a:r>
+              <a:rPr lang="de-DE" sz="2400" dirty="0">
+                <a:hlinkClick r:id="rId3"/>
+              </a:rPr>
+              <a:t> Cookies </a:t>
+            </a:r>
+            <a:r>
+              <a:rPr lang="de-DE" sz="2400" dirty="0" err="1">
+                <a:hlinkClick r:id="rId3"/>
+              </a:rPr>
+              <a:t>between</a:t>
+            </a:r>
+            <a:r>
+              <a:rPr lang="de-DE" sz="2400" dirty="0">
+                <a:hlinkClick r:id="rId3"/>
+              </a:rPr>
+              <a:t> ASP.NET 4.x </a:t>
+            </a:r>
+            <a:r>
+              <a:rPr lang="de-DE" sz="2400" dirty="0" err="1">
+                <a:hlinkClick r:id="rId3"/>
+              </a:rPr>
+              <a:t>and</a:t>
+            </a:r>
+            <a:r>
+              <a:rPr lang="de-DE" sz="2400" dirty="0">
+                <a:hlinkClick r:id="rId3"/>
+              </a:rPr>
+              <a:t> ASP.NET Core </a:t>
+            </a:r>
+            <a:r>
+              <a:rPr lang="de-DE" sz="2400" dirty="0" smtClean="0">
+                <a:hlinkClick r:id="rId3"/>
+              </a:rPr>
+              <a:t>1.0</a:t>
+            </a:r>
+            <a:endParaRPr lang="de-DE" sz="2400" dirty="0" smtClean="0"/>
+          </a:p>
+          <a:p>
+            <a:r>
+              <a:rPr lang="en-US" sz="2400" dirty="0">
+                <a:hlinkClick r:id="rId4"/>
+              </a:rPr>
+              <a:t>ASP.NET: Sharing OWIN Authentication Cookie across IIS Applications</a:t>
+            </a:r>
+            <a:endParaRPr lang="en-US" sz="2400" dirty="0"/>
+          </a:p>
+          <a:p>
+            <a:r>
+              <a:rPr lang="en-US" sz="2400" dirty="0">
+                <a:hlinkClick r:id="rId5"/>
+              </a:rPr>
+              <a:t>Barry </a:t>
+            </a:r>
+            <a:r>
+              <a:rPr lang="en-US" sz="2400" dirty="0" err="1">
+                <a:hlinkClick r:id="rId5"/>
+              </a:rPr>
+              <a:t>Dorrans</a:t>
+            </a:r>
+            <a:r>
+              <a:rPr lang="en-US" sz="2400" dirty="0">
+                <a:hlinkClick r:id="rId5"/>
+              </a:rPr>
+              <a:t>: Sharing Authentication Cookies between ASP.NET 4.5 and .</a:t>
+            </a:r>
+            <a:r>
+              <a:rPr lang="en-US" sz="2400">
+                <a:hlinkClick r:id="rId5"/>
+              </a:rPr>
+              <a:t>NET </a:t>
+            </a:r>
+            <a:r>
+              <a:rPr lang="en-US" sz="2400" smtClean="0">
+                <a:hlinkClick r:id="rId5"/>
+              </a:rPr>
+              <a:t>Core</a:t>
+            </a:r>
+            <a:endParaRPr lang="de-DE" sz="2400" dirty="0"/>
+          </a:p>
+        </p:txBody>
+      </p:sp>
+    </p:spTree>
+    <p:extLst>
+      <p:ext uri="{BB962C8B-B14F-4D97-AF65-F5344CB8AC3E}">
+        <p14:creationId xmlns:p14="http://schemas.microsoft.com/office/powerpoint/2010/main" val="3204835294"/>
+      </p:ext>
+    </p:extLst>
+  </p:cSld>
+  <p:clrMapOvr>
+    <a:masterClrMapping/>
+  </p:clrMapOvr>
+  <p:timing>
+    <p:tnLst>
+      <p:par>
+        <p:cTn id="1" dur="indefinite" restart="never" nodeType="tmRoot"/>
+      </p:par>
+    </p:tnLst>
+  </p:timing>
 </p:sld>
 </file>
 
@@ -3528,6 +6298,9 @@
           <a:bodyPr/>
           <a:lstStyle/>
           <a:p>
+            <a:pPr marL="0" indent="0">
+              <a:buNone/>
+            </a:pPr>
             <a:r>
               <a:rPr lang="de-DE" dirty="0" smtClean="0"/>
               <a:t>ASP.NET Core</a:t>
@@ -3537,6 +6310,9 @@
             <a:endParaRPr lang="de-DE" dirty="0"/>
           </a:p>
           <a:p>
+            <a:pPr marL="0" indent="0">
+              <a:buNone/>
+            </a:pPr>
             <a:r>
               <a:rPr lang="de-DE" dirty="0" smtClean="0"/>
               <a:t>ASP.NET</a:t>
@@ -3546,12 +6322,55 @@
             <a:endParaRPr lang="de-DE" dirty="0" smtClean="0"/>
           </a:p>
           <a:p>
+            <a:pPr marL="0" indent="0">
+              <a:spcBef>
+                <a:spcPts val="0"/>
+              </a:spcBef>
+              <a:buNone/>
+            </a:pPr>
             <a:r>
               <a:rPr lang="de-DE" dirty="0" smtClean="0"/>
-              <a:t>Identity Server</a:t>
-            </a:r>
-          </a:p>
-          <a:p>
+              <a:t>Was fällt auf ?</a:t>
+            </a:r>
+          </a:p>
+          <a:p>
+            <a:pPr>
+              <a:spcBef>
+                <a:spcPts val="0"/>
+              </a:spcBef>
+              <a:buFont typeface="Arial" charset="0"/>
+              <a:buChar char="•"/>
+            </a:pPr>
+            <a:r>
+              <a:rPr lang="de-DE" dirty="0" smtClean="0"/>
+              <a:t>Unterschiedliche Cookie Namen</a:t>
+            </a:r>
+          </a:p>
+          <a:p>
+            <a:pPr>
+              <a:spcBef>
+                <a:spcPts val="0"/>
+              </a:spcBef>
+              <a:buFont typeface="Arial" charset="0"/>
+              <a:buChar char="•"/>
+            </a:pPr>
+            <a:r>
+              <a:rPr lang="de-DE" dirty="0" smtClean="0"/>
+              <a:t>Unterschiedliche Cookie Pfade</a:t>
+            </a:r>
+          </a:p>
+          <a:p>
+            <a:pPr>
+              <a:spcBef>
+                <a:spcPts val="0"/>
+              </a:spcBef>
+              <a:buFont typeface="Arial" charset="0"/>
+              <a:buChar char="•"/>
+            </a:pPr>
+            <a:r>
+              <a:rPr lang="de-DE" dirty="0" smtClean="0"/>
+              <a:t>Unterschiedliches Cookie Format</a:t>
+            </a:r>
             <a:endParaRPr lang="de-DE" dirty="0"/>
           </a:p>
         </p:txBody>
@@ -3635,60 +6454,6 @@
           <a:xfrm>
             <a:off x="1271464" y="3501008"/>
             <a:ext cx="9839325" cy="504825"/>
-          </a:xfrm>
-          <a:prstGeom prst="rect">
-            <a:avLst/>
-          </a:prstGeom>
-          <a:noFill/>
-          <a:ln>
-            <a:noFill/>
-          </a:ln>
-          <a:extLst>
-            <a:ext uri="{909E8E84-426E-40DD-AFC4-6F175D3DCCD1}">
-              <a14:hiddenFill xmlns:a14="http://schemas.microsoft.com/office/drawing/2010/main">
-                <a:solidFill>
-                  <a:schemeClr val="accent1"/>
-                </a:solidFill>
-              </a14:hiddenFill>
-            </a:ext>
-            <a:ext uri="{91240B29-F687-4F45-9708-019B960494DF}">
-              <a14:hiddenLine xmlns:a14="http://schemas.microsoft.com/office/drawing/2010/main" w="9525">
-                <a:solidFill>
-                  <a:schemeClr val="tx1"/>
-                </a:solidFill>
-                <a:miter lim="800000"/>
-                <a:headEnd/>
-                <a:tailEnd/>
-              </a14:hiddenLine>
-            </a:ext>
-          </a:extLst>
-        </p:spPr>
-      </p:pic>
-      <p:pic>
-        <p:nvPicPr>
-          <p:cNvPr id="1028" name="Picture 4"/>
-          <p:cNvPicPr>
-            <a:picLocks noChangeAspect="1" noChangeArrowheads="1"/>
-          </p:cNvPicPr>
-          <p:nvPr/>
-        </p:nvPicPr>
-        <p:blipFill>
-          <a:blip r:embed="rId4">
-            <a:extLst>
-              <a:ext uri="{28A0092B-C50C-407E-A947-70E740481C1C}">
-                <a14:useLocalDpi xmlns:a14="http://schemas.microsoft.com/office/drawing/2010/main" val="0"/>
-              </a:ext>
-            </a:extLst>
-          </a:blip>
-          <a:srcRect/>
-          <a:stretch>
-            <a:fillRect/>
-          </a:stretch>
-        </p:blipFill>
-        <p:spPr bwMode="auto">
-          <a:xfrm>
-            <a:off x="1270592" y="5157192"/>
-            <a:ext cx="9572625" cy="1019175"/>
           </a:xfrm>
           <a:prstGeom prst="rect">
             <a:avLst/>
@@ -3802,11 +6567,7 @@
             </a:pPr>
             <a:r>
               <a:rPr lang="de-DE" smtClean="0"/>
-              <a:t>Unterschiede</a:t>
-            </a:r>
-            <a:r>
-              <a:rPr lang="de-DE" smtClean="0"/>
-              <a:t> </a:t>
+              <a:t>Unterschiede </a:t>
             </a:r>
             <a:r>
               <a:rPr lang="de-DE" dirty="0"/>
@@ -3887,7 +6648,7 @@
           <a:p>
             <a:r>
               <a:rPr lang="de-DE" dirty="0" smtClean="0"/>
-              <a:t>LINKS – Cookies Sharing</a:t>
+              <a:t>Cookie Namen angleichen</a:t>
             </a:r>
             <a:endParaRPr lang="de-DE" dirty="0"/>
           </a:p>
@@ -3908,192 +6669,311 @@
           <a:bodyPr/>
           <a:lstStyle/>
           <a:p>
-            <a:r>
-              <a:rPr lang="de-DE" sz="2400" dirty="0" smtClean="0">
-                <a:hlinkClick r:id="rId2"/>
-              </a:rPr>
-              <a:t>Microsoft </a:t>
-            </a:r>
-            <a:r>
-              <a:rPr lang="de-DE" sz="2400" dirty="0" err="1">
-                <a:hlinkClick r:id="rId2"/>
-              </a:rPr>
-              <a:t>Docs</a:t>
-            </a:r>
-            <a:r>
-              <a:rPr lang="de-DE" sz="2400" dirty="0">
-                <a:hlinkClick r:id="rId2"/>
-              </a:rPr>
-              <a:t>: Sharing </a:t>
-            </a:r>
-            <a:r>
-              <a:rPr lang="de-DE" sz="2400" dirty="0" err="1">
-                <a:hlinkClick r:id="rId2"/>
-              </a:rPr>
-              <a:t>authentication</a:t>
-            </a:r>
-            <a:r>
-              <a:rPr lang="de-DE" sz="2400" dirty="0">
-                <a:hlinkClick r:id="rId2"/>
+            <a:pPr marL="0" indent="0">
+              <a:buNone/>
+            </a:pPr>
+            <a:r>
+              <a:rPr lang="de-DE" dirty="0" smtClean="0"/>
+              <a:t>damit beide Frameworks das gleiche Cookie nutzen:</a:t>
+            </a:r>
+          </a:p>
+          <a:p>
+            <a:pPr marL="0" indent="0">
+              <a:buNone/>
+            </a:pPr>
+            <a:r>
+              <a:rPr lang="de-DE" dirty="0" smtClean="0"/>
+              <a:t>ASP.NET Core</a:t>
+            </a:r>
+            <a:br>
+              <a:rPr lang="de-DE" dirty="0" smtClean="0"/>
+            </a:br>
+            <a:r>
+              <a:rPr lang="de-DE" dirty="0" smtClean="0"/>
+              <a:t/>
+            </a:r>
+            <a:br>
+              <a:rPr lang="de-DE" dirty="0" smtClean="0"/>
+            </a:br>
+            <a:r>
+              <a:rPr lang="de-DE" sz="2000" dirty="0" err="1" smtClean="0">
+                <a:solidFill>
+                  <a:srgbClr val="000000"/>
+                </a:solidFill>
+                <a:latin typeface="Consolas"/>
+              </a:rPr>
+              <a:t>app.UseCookieAuthentication</a:t>
+            </a:r>
+            <a:r>
+              <a:rPr lang="de-DE" sz="2000" dirty="0" smtClean="0">
+                <a:solidFill>
+                  <a:srgbClr val="000000"/>
+                </a:solidFill>
+                <a:latin typeface="Consolas"/>
+              </a:rPr>
+              <a:t>(</a:t>
+            </a:r>
+            <a:r>
+              <a:rPr lang="de-DE" sz="2000" dirty="0" err="1" smtClean="0">
+                <a:solidFill>
+                  <a:srgbClr val="0000FF"/>
+                </a:solidFill>
+                <a:latin typeface="Consolas"/>
+              </a:rPr>
+              <a:t>new</a:t>
+            </a:r>
+            <a:r>
+              <a:rPr lang="de-DE" sz="2000" dirty="0" smtClean="0">
+                <a:solidFill>
+                  <a:srgbClr val="000000"/>
+                </a:solidFill>
+                <a:latin typeface="Consolas"/>
               </a:rPr>
               <a:t> </a:t>
             </a:r>
             <a:r>
-              <a:rPr lang="de-DE" sz="2400" dirty="0" err="1">
-                <a:hlinkClick r:id="rId2"/>
-              </a:rPr>
-              <a:t>cookies</a:t>
-            </a:r>
-            <a:r>
-              <a:rPr lang="de-DE" sz="2400" dirty="0">
-                <a:hlinkClick r:id="rId2"/>
+              <a:rPr lang="de-DE" sz="2000" dirty="0" err="1">
+                <a:solidFill>
+                  <a:srgbClr val="0000FF"/>
+                </a:solidFill>
+                <a:latin typeface="Consolas"/>
+              </a:rPr>
+              <a:t>CookieAuthenticationOptions</a:t>
+            </a:r>
+            <a:r>
+              <a:rPr lang="de-DE" sz="2000" dirty="0">
+                <a:solidFill>
+                  <a:srgbClr val="000000"/>
+                </a:solidFill>
+                <a:latin typeface="Consolas"/>
               </a:rPr>
               <a:t> </a:t>
             </a:r>
             <a:r>
-              <a:rPr lang="de-DE" sz="2400" dirty="0" err="1">
-                <a:hlinkClick r:id="rId2"/>
-              </a:rPr>
-              <a:t>between</a:t>
-            </a:r>
-            <a:r>
-              <a:rPr lang="de-DE" sz="2400" dirty="0">
-                <a:hlinkClick r:id="rId2"/>
-              </a:rPr>
-              <a:t> ASP.NET 4.x </a:t>
-            </a:r>
-            <a:r>
-              <a:rPr lang="de-DE" sz="2400" dirty="0" err="1">
-                <a:hlinkClick r:id="rId2"/>
-              </a:rPr>
-              <a:t>and</a:t>
-            </a:r>
-            <a:r>
-              <a:rPr lang="de-DE" sz="2400" dirty="0">
-                <a:hlinkClick r:id="rId2"/>
-              </a:rPr>
-              <a:t> ASP.NET Core </a:t>
-            </a:r>
-            <a:r>
-              <a:rPr lang="de-DE" sz="2400" dirty="0" err="1">
-                <a:hlinkClick r:id="rId2"/>
-              </a:rPr>
-              <a:t>applications</a:t>
-            </a:r>
-            <a:endParaRPr lang="de-DE" sz="2400" dirty="0"/>
-          </a:p>
-          <a:p>
-            <a:r>
-              <a:rPr lang="de-DE" sz="2400" dirty="0">
-                <a:hlinkClick r:id="rId3"/>
-              </a:rPr>
-              <a:t>SCOTT HANSELMAN: Sharing </a:t>
-            </a:r>
-            <a:r>
-              <a:rPr lang="de-DE" sz="2400" dirty="0" err="1">
-                <a:hlinkClick r:id="rId3"/>
-              </a:rPr>
-              <a:t>Authorization</a:t>
-            </a:r>
-            <a:r>
-              <a:rPr lang="de-DE" sz="2400" dirty="0">
-                <a:hlinkClick r:id="rId3"/>
-              </a:rPr>
-              <a:t> Cookies </a:t>
-            </a:r>
-            <a:r>
-              <a:rPr lang="de-DE" sz="2400" dirty="0" err="1">
-                <a:hlinkClick r:id="rId3"/>
-              </a:rPr>
-              <a:t>between</a:t>
-            </a:r>
-            <a:r>
-              <a:rPr lang="de-DE" sz="2400" dirty="0">
-                <a:hlinkClick r:id="rId3"/>
-              </a:rPr>
-              <a:t> ASP.NET 4.x </a:t>
-            </a:r>
-            <a:r>
-              <a:rPr lang="de-DE" sz="2400" dirty="0" err="1">
-                <a:hlinkClick r:id="rId3"/>
-              </a:rPr>
-              <a:t>and</a:t>
-            </a:r>
-            <a:r>
-              <a:rPr lang="de-DE" sz="2400" dirty="0">
-                <a:hlinkClick r:id="rId3"/>
-              </a:rPr>
-              <a:t> ASP.NET Core </a:t>
-            </a:r>
-            <a:r>
-              <a:rPr lang="de-DE" sz="2400" dirty="0" smtClean="0">
-                <a:hlinkClick r:id="rId3"/>
-              </a:rPr>
-              <a:t>1.0</a:t>
-            </a:r>
-            <a:endParaRPr lang="de-DE" sz="2400" dirty="0" smtClean="0"/>
-          </a:p>
-          <a:p>
-            <a:r>
-              <a:rPr lang="en-US" sz="2400" dirty="0">
-                <a:hlinkClick r:id="rId4"/>
-              </a:rPr>
-              <a:t>ASP.NET: Sharing OWIN Authentication Cookie across IIS Applications</a:t>
-            </a:r>
-            <a:endParaRPr lang="en-US" sz="2400" dirty="0"/>
-          </a:p>
-          <a:p>
-            <a:r>
-              <a:rPr lang="en-US" sz="2400" dirty="0">
-                <a:hlinkClick r:id="rId5"/>
-              </a:rPr>
-              <a:t>Barry </a:t>
-            </a:r>
-            <a:r>
-              <a:rPr lang="en-US" sz="2400" dirty="0" err="1">
-                <a:hlinkClick r:id="rId5"/>
-              </a:rPr>
-              <a:t>Dorrans</a:t>
-            </a:r>
-            <a:r>
-              <a:rPr lang="en-US" sz="2400" dirty="0">
-                <a:hlinkClick r:id="rId5"/>
-              </a:rPr>
-              <a:t>: Sharing Authentication Cookies between ASP.NET 4.5 and .</a:t>
-            </a:r>
-            <a:r>
-              <a:rPr lang="en-US" sz="2400">
-                <a:hlinkClick r:id="rId5"/>
-              </a:rPr>
-              <a:t>NET </a:t>
-            </a:r>
-            <a:r>
-              <a:rPr lang="en-US" sz="2400" smtClean="0">
-                <a:hlinkClick r:id="rId5"/>
-              </a:rPr>
-              <a:t>Core</a:t>
-            </a:r>
-            <a:endParaRPr lang="de-DE" sz="2400" dirty="0"/>
+              <a:rPr lang="de-DE" sz="2000" dirty="0" smtClean="0">
+                <a:solidFill>
+                  <a:srgbClr val="000000"/>
+                </a:solidFill>
+                <a:latin typeface="Consolas"/>
+              </a:rPr>
+              <a:t>{</a:t>
+            </a:r>
+            <a:br>
+              <a:rPr lang="de-DE" sz="2000" dirty="0" smtClean="0">
+                <a:solidFill>
+                  <a:srgbClr val="000000"/>
+                </a:solidFill>
+                <a:latin typeface="Consolas"/>
+              </a:rPr>
+            </a:br>
+            <a:r>
+              <a:rPr lang="de-DE" sz="2000" dirty="0" smtClean="0">
+                <a:solidFill>
+                  <a:srgbClr val="000000"/>
+                </a:solidFill>
+                <a:latin typeface="Consolas"/>
+              </a:rPr>
+              <a:t>  </a:t>
+            </a:r>
+            <a:r>
+              <a:rPr lang="de-DE" sz="2000" dirty="0" err="1" smtClean="0">
+                <a:solidFill>
+                  <a:srgbClr val="000000"/>
+                </a:solidFill>
+                <a:latin typeface="Consolas"/>
+              </a:rPr>
+              <a:t>CookieName</a:t>
+            </a:r>
+            <a:r>
+              <a:rPr lang="de-DE" sz="2000" dirty="0" smtClean="0">
+                <a:solidFill>
+                  <a:srgbClr val="000000"/>
+                </a:solidFill>
+                <a:latin typeface="Consolas"/>
+              </a:rPr>
+              <a:t> </a:t>
+            </a:r>
+            <a:r>
+              <a:rPr lang="de-DE" sz="2000" dirty="0">
+                <a:solidFill>
+                  <a:srgbClr val="000000"/>
+                </a:solidFill>
+                <a:latin typeface="Consolas"/>
+              </a:rPr>
+              <a:t>= </a:t>
+            </a:r>
+            <a:r>
+              <a:rPr lang="de-DE" sz="2000" dirty="0">
+                <a:solidFill>
+                  <a:srgbClr val="A31515"/>
+                </a:solidFill>
+                <a:latin typeface="Consolas"/>
+              </a:rPr>
+              <a:t>"DNC2017_SharedAuthCookie"</a:t>
+            </a:r>
+            <a:r>
+              <a:rPr lang="de-DE" sz="2000" dirty="0">
+                <a:solidFill>
+                  <a:srgbClr val="000000"/>
+                </a:solidFill>
+                <a:latin typeface="Consolas"/>
+              </a:rPr>
+              <a:t>, </a:t>
+            </a:r>
+          </a:p>
+          <a:p>
+            <a:pPr marL="0" indent="0">
+              <a:buNone/>
+            </a:pPr>
+            <a:r>
+              <a:rPr lang="de-DE" dirty="0" smtClean="0"/>
+              <a:t>ASP.NET</a:t>
+            </a:r>
+            <a:br>
+              <a:rPr lang="de-DE" dirty="0" smtClean="0"/>
+            </a:br>
+            <a:r>
+              <a:rPr lang="de-DE" dirty="0" smtClean="0"/>
+              <a:t/>
+            </a:r>
+            <a:br>
+              <a:rPr lang="de-DE" dirty="0" smtClean="0"/>
+            </a:br>
+            <a:r>
+              <a:rPr lang="de-DE" sz="2000" dirty="0" err="1">
+                <a:solidFill>
+                  <a:srgbClr val="000000"/>
+                </a:solidFill>
+                <a:latin typeface="Consolas"/>
+              </a:rPr>
+              <a:t>app.UseCookieAuthentication</a:t>
+            </a:r>
+            <a:r>
+              <a:rPr lang="de-DE" sz="2000" dirty="0">
+                <a:solidFill>
+                  <a:srgbClr val="000000"/>
+                </a:solidFill>
+                <a:latin typeface="Consolas"/>
+              </a:rPr>
+              <a:t>( </a:t>
+            </a:r>
+            <a:r>
+              <a:rPr lang="de-DE" sz="2000" dirty="0" err="1">
+                <a:solidFill>
+                  <a:srgbClr val="0000FF"/>
+                </a:solidFill>
+                <a:latin typeface="Consolas"/>
+              </a:rPr>
+              <a:t>new</a:t>
+            </a:r>
+            <a:r>
+              <a:rPr lang="de-DE" sz="2000" dirty="0">
+                <a:solidFill>
+                  <a:srgbClr val="000000"/>
+                </a:solidFill>
+                <a:latin typeface="Consolas"/>
+              </a:rPr>
+              <a:t> </a:t>
+            </a:r>
+            <a:r>
+              <a:rPr lang="de-DE" sz="2000" dirty="0" err="1" smtClean="0">
+                <a:solidFill>
+                  <a:srgbClr val="0000FF"/>
+                </a:solidFill>
+                <a:latin typeface="Consolas"/>
+              </a:rPr>
+              <a:t>CookieAuthenticationOptions</a:t>
+            </a:r>
+            <a:r>
+              <a:rPr lang="de-DE" sz="2000" dirty="0" smtClean="0">
+                <a:solidFill>
+                  <a:srgbClr val="000000"/>
+                </a:solidFill>
+                <a:latin typeface="Consolas"/>
+              </a:rPr>
+              <a:t> {</a:t>
+            </a:r>
+            <a:br>
+              <a:rPr lang="de-DE" sz="2000" dirty="0" smtClean="0">
+                <a:solidFill>
+                  <a:srgbClr val="000000"/>
+                </a:solidFill>
+                <a:latin typeface="Consolas"/>
+              </a:rPr>
+            </a:br>
+            <a:r>
+              <a:rPr lang="de-DE" sz="2000" dirty="0" smtClean="0">
+                <a:solidFill>
+                  <a:srgbClr val="000000"/>
+                </a:solidFill>
+                <a:latin typeface="Consolas"/>
+              </a:rPr>
+              <a:t>   </a:t>
+            </a:r>
+            <a:r>
+              <a:rPr lang="de-DE" sz="2000" dirty="0" err="1" smtClean="0">
+                <a:solidFill>
+                  <a:srgbClr val="000000"/>
+                </a:solidFill>
+                <a:latin typeface="Consolas"/>
+              </a:rPr>
+              <a:t>CookieName</a:t>
+            </a:r>
+            <a:r>
+              <a:rPr lang="de-DE" sz="2000" dirty="0" smtClean="0">
+                <a:solidFill>
+                  <a:srgbClr val="000000"/>
+                </a:solidFill>
+                <a:latin typeface="Consolas"/>
+              </a:rPr>
+              <a:t> </a:t>
+            </a:r>
+            <a:r>
+              <a:rPr lang="de-DE" sz="2000" dirty="0">
+                <a:solidFill>
+                  <a:srgbClr val="000000"/>
+                </a:solidFill>
+                <a:latin typeface="Consolas"/>
+              </a:rPr>
+              <a:t>= </a:t>
+            </a:r>
+            <a:r>
+              <a:rPr lang="de-DE" sz="2000" dirty="0">
+                <a:solidFill>
+                  <a:srgbClr val="A31515"/>
+                </a:solidFill>
+                <a:latin typeface="Consolas"/>
+              </a:rPr>
+              <a:t>"DNC2017_SharedAuthCookie"</a:t>
+            </a:r>
+            <a:r>
+              <a:rPr lang="de-DE" sz="2000" dirty="0">
+                <a:solidFill>
+                  <a:srgbClr val="000000"/>
+                </a:solidFill>
+                <a:latin typeface="Consolas"/>
+              </a:rPr>
+              <a:t>,</a:t>
+            </a:r>
+          </a:p>
+          <a:p>
+            <a:pPr marL="0" indent="0">
+              <a:buNone/>
+            </a:pPr>
+            <a:endParaRPr lang="de-DE" sz="2000" dirty="0"/>
           </a:p>
         </p:txBody>
       </p:sp>
     </p:spTree>
     <p:extLst>
       <p:ext uri="{BB962C8B-B14F-4D97-AF65-F5344CB8AC3E}">
-        <p14:creationId xmlns:p14="http://schemas.microsoft.com/office/powerpoint/2010/main" val="3204835294"/>
+        <p14:creationId xmlns:p14="http://schemas.microsoft.com/office/powerpoint/2010/main" val="1148950576"/>
       </p:ext>
     </p:extLst>
   </p:cSld>
   <p:clrMapOvr>
     <a:masterClrMapping/>
   </p:clrMapOvr>
-  <p:timing>
-    <p:tnLst>
-      <p:par>
-        <p:cTn id="1" dur="indefinite" restart="never" nodeType="tmRoot"/>
-      </p:par>
-    </p:tnLst>
-  </p:timing>
 </p:sld>
 </file>
 
@@ -4129,83 +7009,293 @@
           <a:bodyPr/>
           <a:lstStyle/>
           <a:p>
+            <a:r>
+              <a:rPr lang="de-DE" dirty="0" smtClean="0"/>
+              <a:t>Cookie Pfad anpassen</a:t>
+            </a:r>
             <a:endParaRPr lang="de-DE" dirty="0"/>
           </a:p>
         </p:txBody>
       </p:sp>
-      <p:pic>
-        <p:nvPicPr>
-          <p:cNvPr id="1028" name="Picture 4"/>
-          <p:cNvPicPr>
-            <a:picLocks noGrp="1" noChangeAspect="1" noChangeArrowheads="1"/>
-          </p:cNvPicPr>
+      <p:sp>
+        <p:nvSpPr>
+          <p:cNvPr id="3" name="Inhaltsplatzhalter 2"/>
+          <p:cNvSpPr>
+            <a:spLocks noGrp="1"/>
+          </p:cNvSpPr>
           <p:nvPr>
             <p:ph idx="1"/>
           </p:nvPr>
-        </p:nvPicPr>
-        <p:blipFill>
-          <a:blip r:embed="rId2">
-            <a:extLst>
-              <a:ext uri="{28A0092B-C50C-407E-A947-70E740481C1C}">
-                <a14:useLocalDpi xmlns:a14="http://schemas.microsoft.com/office/drawing/2010/main" val="0"/>
-              </a:ext>
-            </a:extLst>
-          </a:blip>
-          <a:srcRect/>
-          <a:stretch>
-            <a:fillRect/>
-          </a:stretch>
-        </p:blipFill>
-        <p:spPr bwMode="auto">
-          <a:xfrm>
-            <a:off x="2085975" y="3891756"/>
-            <a:ext cx="8048625" cy="342900"/>
-          </a:xfrm>
-          <a:prstGeom prst="rect">
-            <a:avLst/>
-          </a:prstGeom>
-          <a:noFill/>
-          <a:ln>
-            <a:noFill/>
-          </a:ln>
-          <a:extLst>
-            <a:ext uri="{909E8E84-426E-40DD-AFC4-6F175D3DCCD1}">
-              <a14:hiddenFill xmlns:a14="http://schemas.microsoft.com/office/drawing/2010/main">
-                <a:solidFill>
-                  <a:schemeClr val="accent1"/>
-                </a:solidFill>
-              </a14:hiddenFill>
-            </a:ext>
-            <a:ext uri="{91240B29-F687-4F45-9708-019B960494DF}">
-              <a14:hiddenLine xmlns:a14="http://schemas.microsoft.com/office/drawing/2010/main" w="9525">
-                <a:solidFill>
-                  <a:schemeClr val="tx1"/>
-                </a:solidFill>
-                <a:miter lim="800000"/>
-                <a:headEnd/>
-                <a:tailEnd/>
-              </a14:hiddenLine>
-            </a:ext>
-          </a:extLst>
-        </p:spPr>
-      </p:pic>
+        </p:nvSpPr>
+        <p:spPr/>
+        <p:txBody>
+          <a:bodyPr/>
+          <a:lstStyle/>
+          <a:p>
+            <a:pPr marL="0" indent="0">
+              <a:buNone/>
+            </a:pPr>
+            <a:r>
+              <a:rPr lang="de-DE" dirty="0" smtClean="0"/>
+              <a:t>damit das Cookie an beide Seiten vom Browser geschickt wird:</a:t>
+            </a:r>
+          </a:p>
+          <a:p>
+            <a:pPr marL="0" indent="0">
+              <a:buNone/>
+            </a:pPr>
+            <a:r>
+              <a:rPr lang="de-DE" dirty="0" smtClean="0"/>
+              <a:t>ASP.NET </a:t>
+            </a:r>
+            <a:r>
+              <a:rPr lang="de-DE" dirty="0"/>
+              <a:t>Core</a:t>
+            </a:r>
+            <a:br>
+              <a:rPr lang="de-DE" dirty="0"/>
+            </a:br>
+            <a:r>
+              <a:rPr lang="de-DE" dirty="0"/>
+              <a:t/>
+            </a:r>
+            <a:br>
+              <a:rPr lang="de-DE" dirty="0"/>
+            </a:br>
+            <a:r>
+              <a:rPr lang="de-DE" sz="2000" dirty="0" err="1">
+                <a:solidFill>
+                  <a:srgbClr val="000000"/>
+                </a:solidFill>
+                <a:latin typeface="Consolas"/>
+              </a:rPr>
+              <a:t>app.UseCookieAuthentication</a:t>
+            </a:r>
+            <a:r>
+              <a:rPr lang="de-DE" sz="2000" dirty="0">
+                <a:solidFill>
+                  <a:srgbClr val="000000"/>
+                </a:solidFill>
+                <a:latin typeface="Consolas"/>
+              </a:rPr>
+              <a:t>(</a:t>
+            </a:r>
+            <a:r>
+              <a:rPr lang="de-DE" sz="2000" dirty="0" err="1">
+                <a:solidFill>
+                  <a:srgbClr val="0000FF"/>
+                </a:solidFill>
+                <a:latin typeface="Consolas"/>
+              </a:rPr>
+              <a:t>new</a:t>
+            </a:r>
+            <a:r>
+              <a:rPr lang="de-DE" sz="2000" dirty="0">
+                <a:solidFill>
+                  <a:srgbClr val="000000"/>
+                </a:solidFill>
+                <a:latin typeface="Consolas"/>
+              </a:rPr>
+              <a:t> </a:t>
+            </a:r>
+            <a:r>
+              <a:rPr lang="de-DE" sz="2000" dirty="0" err="1">
+                <a:solidFill>
+                  <a:srgbClr val="0000FF"/>
+                </a:solidFill>
+                <a:latin typeface="Consolas"/>
+              </a:rPr>
+              <a:t>CookieAuthenticationOptions</a:t>
+            </a:r>
+            <a:r>
+              <a:rPr lang="de-DE" sz="2000" dirty="0">
+                <a:solidFill>
+                  <a:srgbClr val="000000"/>
+                </a:solidFill>
+                <a:latin typeface="Consolas"/>
+              </a:rPr>
+              <a:t> {</a:t>
+            </a:r>
+            <a:br>
+              <a:rPr lang="de-DE" sz="2000" dirty="0">
+                <a:solidFill>
+                  <a:srgbClr val="000000"/>
+                </a:solidFill>
+                <a:latin typeface="Consolas"/>
+              </a:rPr>
+            </a:br>
+            <a:r>
+              <a:rPr lang="de-DE" sz="2000" dirty="0">
+                <a:solidFill>
+                  <a:srgbClr val="000000"/>
+                </a:solidFill>
+                <a:latin typeface="Consolas"/>
+              </a:rPr>
+              <a:t> </a:t>
+            </a:r>
+            <a:r>
+              <a:rPr lang="de-DE" sz="2000" dirty="0" smtClean="0">
+                <a:solidFill>
+                  <a:srgbClr val="000000"/>
+                </a:solidFill>
+                <a:latin typeface="Consolas"/>
+              </a:rPr>
+              <a:t> </a:t>
+            </a:r>
+            <a:r>
+              <a:rPr lang="de-DE" sz="2000" dirty="0" err="1" smtClean="0"/>
+              <a:t>CookiePath</a:t>
+            </a:r>
+            <a:r>
+              <a:rPr lang="de-DE" sz="2000" dirty="0" smtClean="0"/>
+              <a:t> </a:t>
+            </a:r>
+            <a:r>
+              <a:rPr lang="de-DE" sz="2000" dirty="0"/>
+              <a:t>= </a:t>
+            </a:r>
+            <a:r>
+              <a:rPr lang="de-DE" sz="2000" dirty="0" smtClean="0">
+                <a:solidFill>
+                  <a:srgbClr val="A31515"/>
+                </a:solidFill>
+                <a:latin typeface="Consolas"/>
+              </a:rPr>
+              <a:t>"/",</a:t>
+            </a:r>
+            <a:endParaRPr lang="de-DE" sz="2000" dirty="0">
+              <a:solidFill>
+                <a:srgbClr val="A31515"/>
+              </a:solidFill>
+              <a:latin typeface="Consolas"/>
+            </a:endParaRPr>
+          </a:p>
+          <a:p>
+            <a:pPr marL="0" indent="0">
+              <a:buNone/>
+            </a:pPr>
+            <a:r>
+              <a:rPr lang="de-DE" dirty="0" smtClean="0"/>
+              <a:t>ASP.NET</a:t>
+            </a:r>
+            <a:br>
+              <a:rPr lang="de-DE" dirty="0" smtClean="0"/>
+            </a:br>
+            <a:r>
+              <a:rPr lang="de-DE" dirty="0" smtClean="0"/>
+              <a:t/>
+            </a:r>
+            <a:br>
+              <a:rPr lang="de-DE" dirty="0" smtClean="0"/>
+            </a:br>
+            <a:r>
+              <a:rPr lang="de-DE" sz="2000" dirty="0" err="1" smtClean="0">
+                <a:solidFill>
+                  <a:srgbClr val="000000"/>
+                </a:solidFill>
+                <a:latin typeface="Consolas"/>
+              </a:rPr>
+              <a:t>app.UseCookieAuthentication</a:t>
+            </a:r>
+            <a:r>
+              <a:rPr lang="de-DE" sz="2000" dirty="0" smtClean="0">
+                <a:solidFill>
+                  <a:srgbClr val="000000"/>
+                </a:solidFill>
+                <a:latin typeface="Consolas"/>
+              </a:rPr>
+              <a:t>( </a:t>
+            </a:r>
+            <a:r>
+              <a:rPr lang="de-DE" sz="2000" dirty="0" err="1" smtClean="0">
+                <a:solidFill>
+                  <a:srgbClr val="0000FF"/>
+                </a:solidFill>
+                <a:latin typeface="Consolas"/>
+              </a:rPr>
+              <a:t>new</a:t>
+            </a:r>
+            <a:r>
+              <a:rPr lang="de-DE" sz="2000" dirty="0" smtClean="0">
+                <a:solidFill>
+                  <a:srgbClr val="000000"/>
+                </a:solidFill>
+                <a:latin typeface="Consolas"/>
+              </a:rPr>
+              <a:t> </a:t>
+            </a:r>
+            <a:r>
+              <a:rPr lang="de-DE" sz="2000" dirty="0" err="1" smtClean="0">
+                <a:solidFill>
+                  <a:srgbClr val="0000FF"/>
+                </a:solidFill>
+                <a:latin typeface="Consolas"/>
+              </a:rPr>
+              <a:t>CookieAuthenticationOptions</a:t>
+            </a:r>
+            <a:r>
+              <a:rPr lang="de-DE" sz="2000" dirty="0" smtClean="0">
+                <a:solidFill>
+                  <a:srgbClr val="000000"/>
+                </a:solidFill>
+                <a:latin typeface="Consolas"/>
+              </a:rPr>
+              <a:t> {</a:t>
+            </a:r>
+            <a:br>
+              <a:rPr lang="de-DE" sz="2000" dirty="0" smtClean="0">
+                <a:solidFill>
+                  <a:srgbClr val="000000"/>
+                </a:solidFill>
+                <a:latin typeface="Consolas"/>
+              </a:rPr>
+            </a:br>
+            <a:r>
+              <a:rPr lang="de-DE" sz="2000" dirty="0" smtClean="0">
+                <a:solidFill>
+                  <a:srgbClr val="000000"/>
+                </a:solidFill>
+                <a:latin typeface="Consolas"/>
+              </a:rPr>
+              <a:t>  </a:t>
+            </a:r>
+            <a:r>
+              <a:rPr lang="de-DE" sz="2000" dirty="0" err="1"/>
+              <a:t>CookiePath</a:t>
+            </a:r>
+            <a:r>
+              <a:rPr lang="de-DE" sz="2000" dirty="0"/>
+              <a:t> = </a:t>
+            </a:r>
+            <a:r>
+              <a:rPr lang="de-DE" sz="2000" dirty="0">
+                <a:solidFill>
+                  <a:srgbClr val="A31515"/>
+                </a:solidFill>
+                <a:latin typeface="Consolas"/>
+              </a:rPr>
+              <a:t>"/",</a:t>
+            </a:r>
+            <a:endParaRPr lang="de-DE" sz="3200" dirty="0"/>
+          </a:p>
+          <a:p>
+            <a:pPr marL="0" indent="0">
+              <a:buNone/>
+            </a:pPr>
+            <a:endParaRPr lang="de-DE" dirty="0"/>
+          </a:p>
+        </p:txBody>
+      </p:sp>
     </p:spTree>
     <p:extLst>
       <p:ext uri="{BB962C8B-B14F-4D97-AF65-F5344CB8AC3E}">
-        <p14:creationId xmlns:p14="http://schemas.microsoft.com/office/powerpoint/2010/main" val="677217807"/>
+        <p14:creationId xmlns:p14="http://schemas.microsoft.com/office/powerpoint/2010/main" val="1595899780"/>
       </p:ext>
     </p:extLst>
   </p:cSld>
   <p:clrMapOvr>
     <a:masterClrMapping/>
   </p:clrMapOvr>
-  <p:timing>
-    <p:tnLst>
-      <p:par>
-        <p:cTn id="1" dur="indefinite" restart="never" nodeType="tmRoot"/>
-      </p:par>
-    </p:tnLst>
-  </p:timing>
 </p:sld>
 </file>
 
@@ -4241,83 +7331,307 @@
           <a:bodyPr/>
           <a:lstStyle/>
           <a:p>
-            <a:endParaRPr lang="de-DE"/>
+            <a:r>
+              <a:rPr lang="de-DE" dirty="0" smtClean="0"/>
+              <a:t>Cookie Secure Option angleichen</a:t>
+            </a:r>
+            <a:endParaRPr lang="de-DE" dirty="0"/>
           </a:p>
         </p:txBody>
       </p:sp>
-      <p:pic>
-        <p:nvPicPr>
-          <p:cNvPr id="4098" name="Picture 2"/>
-          <p:cNvPicPr>
-            <a:picLocks noGrp="1" noChangeAspect="1" noChangeArrowheads="1"/>
-          </p:cNvPicPr>
+      <p:sp>
+        <p:nvSpPr>
+          <p:cNvPr id="4" name="Inhaltsplatzhalter 2"/>
+          <p:cNvSpPr>
+            <a:spLocks noGrp="1"/>
+          </p:cNvSpPr>
           <p:nvPr>
             <p:ph idx="1"/>
           </p:nvPr>
-        </p:nvPicPr>
-        <p:blipFill>
-          <a:blip r:embed="rId2">
-            <a:extLst>
-              <a:ext uri="{28A0092B-C50C-407E-A947-70E740481C1C}">
-                <a14:useLocalDpi xmlns:a14="http://schemas.microsoft.com/office/drawing/2010/main" val="0"/>
-              </a:ext>
-            </a:extLst>
-          </a:blip>
-          <a:srcRect/>
-          <a:stretch>
-            <a:fillRect/>
-          </a:stretch>
-        </p:blipFill>
-        <p:spPr bwMode="auto">
+        </p:nvSpPr>
+        <p:spPr>
           <a:xfrm>
-            <a:off x="2085975" y="1658144"/>
-            <a:ext cx="8048625" cy="4810125"/>
+            <a:off x="695401" y="1296144"/>
+            <a:ext cx="10829888" cy="5589240"/>
           </a:xfrm>
-          <a:prstGeom prst="rect">
-            <a:avLst/>
-          </a:prstGeom>
-          <a:noFill/>
-          <a:ln>
-            <a:noFill/>
-          </a:ln>
-          <a:extLst>
-            <a:ext uri="{909E8E84-426E-40DD-AFC4-6F175D3DCCD1}">
-              <a14:hiddenFill xmlns:a14="http://schemas.microsoft.com/office/drawing/2010/main">
-                <a:solidFill>
-                  <a:schemeClr val="accent1"/>
-                </a:solidFill>
-              </a14:hiddenFill>
-            </a:ext>
-            <a:ext uri="{91240B29-F687-4F45-9708-019B960494DF}">
-              <a14:hiddenLine xmlns:a14="http://schemas.microsoft.com/office/drawing/2010/main" w="9525">
-                <a:solidFill>
-                  <a:schemeClr val="tx1"/>
-                </a:solidFill>
-                <a:miter lim="800000"/>
-                <a:headEnd/>
-                <a:tailEnd/>
-              </a14:hiddenLine>
-            </a:ext>
-          </a:extLst>
         </p:spPr>
-      </p:pic>
+        <p:txBody>
+          <a:bodyPr/>
+          <a:lstStyle/>
+          <a:p>
+            <a:pPr marL="0" indent="0">
+              <a:buNone/>
+            </a:pPr>
+            <a:r>
+              <a:rPr lang="de-DE" dirty="0" smtClean="0"/>
+              <a:t>damit beide Frameworks vom gleichen ausgehen:</a:t>
+            </a:r>
+            <a:br>
+              <a:rPr lang="de-DE" dirty="0" smtClean="0"/>
+            </a:br>
+            <a:r>
+              <a:rPr lang="de-DE" dirty="0" smtClean="0"/>
+              <a:t/>
+            </a:r>
+            <a:br>
+              <a:rPr lang="de-DE" dirty="0" smtClean="0"/>
+            </a:br>
+            <a:r>
+              <a:rPr lang="de-DE" dirty="0" smtClean="0"/>
+              <a:t>ASP.NET </a:t>
+            </a:r>
+            <a:r>
+              <a:rPr lang="de-DE" dirty="0"/>
+              <a:t>Core</a:t>
+            </a:r>
+            <a:br>
+              <a:rPr lang="de-DE" dirty="0"/>
+            </a:br>
+            <a:r>
+              <a:rPr lang="de-DE" dirty="0"/>
+              <a:t/>
+            </a:r>
+            <a:br>
+              <a:rPr lang="de-DE" dirty="0"/>
+            </a:br>
+            <a:r>
+              <a:rPr lang="de-DE" sz="2000" dirty="0" err="1">
+                <a:solidFill>
+                  <a:srgbClr val="000000"/>
+                </a:solidFill>
+                <a:latin typeface="Consolas"/>
+              </a:rPr>
+              <a:t>app.UseCookieAuthentication</a:t>
+            </a:r>
+            <a:r>
+              <a:rPr lang="de-DE" sz="2000" dirty="0">
+                <a:solidFill>
+                  <a:srgbClr val="000000"/>
+                </a:solidFill>
+                <a:latin typeface="Consolas"/>
+              </a:rPr>
+              <a:t>(</a:t>
+            </a:r>
+            <a:r>
+              <a:rPr lang="de-DE" sz="2000" dirty="0" err="1">
+                <a:solidFill>
+                  <a:srgbClr val="0000FF"/>
+                </a:solidFill>
+                <a:latin typeface="Consolas"/>
+              </a:rPr>
+              <a:t>new</a:t>
+            </a:r>
+            <a:r>
+              <a:rPr lang="de-DE" sz="2000" dirty="0">
+                <a:solidFill>
+                  <a:srgbClr val="000000"/>
+                </a:solidFill>
+                <a:latin typeface="Consolas"/>
+              </a:rPr>
+              <a:t> </a:t>
+            </a:r>
+            <a:r>
+              <a:rPr lang="de-DE" sz="2000" dirty="0" err="1">
+                <a:solidFill>
+                  <a:srgbClr val="0000FF"/>
+                </a:solidFill>
+                <a:latin typeface="Consolas"/>
+              </a:rPr>
+              <a:t>CookieAuthenticationOptions</a:t>
+            </a:r>
+            <a:r>
+              <a:rPr lang="de-DE" sz="2000" dirty="0">
+                <a:solidFill>
+                  <a:srgbClr val="000000"/>
+                </a:solidFill>
+                <a:latin typeface="Consolas"/>
+              </a:rPr>
+              <a:t> {</a:t>
+            </a:r>
+            <a:br>
+              <a:rPr lang="de-DE" sz="2000" dirty="0">
+                <a:solidFill>
+                  <a:srgbClr val="000000"/>
+                </a:solidFill>
+                <a:latin typeface="Consolas"/>
+              </a:rPr>
+            </a:br>
+            <a:r>
+              <a:rPr lang="de-DE" sz="2000" dirty="0">
+                <a:solidFill>
+                  <a:srgbClr val="000000"/>
+                </a:solidFill>
+                <a:latin typeface="Consolas"/>
+              </a:rPr>
+              <a:t> </a:t>
+            </a:r>
+            <a:r>
+              <a:rPr lang="de-DE" sz="2000" dirty="0" smtClean="0">
+                <a:solidFill>
+                  <a:srgbClr val="000000"/>
+                </a:solidFill>
+                <a:latin typeface="Consolas"/>
+              </a:rPr>
+              <a:t> </a:t>
+            </a:r>
+            <a:r>
+              <a:rPr lang="de-DE" sz="2000" dirty="0" err="1"/>
+              <a:t>CookieSecure</a:t>
+            </a:r>
+            <a:r>
+              <a:rPr lang="de-DE" sz="2000" dirty="0"/>
+              <a:t> = </a:t>
+            </a:r>
+            <a:r>
+              <a:rPr lang="de-DE" sz="2000" dirty="0" err="1"/>
+              <a:t>Microsoft.AspNetCore.Http.CookieSecurePolicy.Always</a:t>
+            </a:r>
+            <a:r>
+              <a:rPr lang="de-DE" sz="2000" dirty="0" smtClean="0">
+                <a:solidFill>
+                  <a:srgbClr val="A31515"/>
+                </a:solidFill>
+                <a:latin typeface="Consolas"/>
+              </a:rPr>
+              <a:t>,</a:t>
+            </a:r>
+            <a:endParaRPr lang="de-DE" sz="2000" dirty="0">
+              <a:solidFill>
+                <a:srgbClr val="A31515"/>
+              </a:solidFill>
+              <a:latin typeface="Consolas"/>
+            </a:endParaRPr>
+          </a:p>
+          <a:p>
+            <a:pPr marL="0" indent="0">
+              <a:buNone/>
+            </a:pPr>
+            <a:r>
+              <a:rPr lang="de-DE" dirty="0" smtClean="0"/>
+              <a:t>ASP.NET</a:t>
+            </a:r>
+            <a:br>
+              <a:rPr lang="de-DE" dirty="0" smtClean="0"/>
+            </a:br>
+            <a:r>
+              <a:rPr lang="de-DE" dirty="0" smtClean="0"/>
+              <a:t/>
+            </a:r>
+            <a:br>
+              <a:rPr lang="de-DE" dirty="0" smtClean="0"/>
+            </a:br>
+            <a:r>
+              <a:rPr lang="de-DE" sz="2000" dirty="0" err="1" smtClean="0">
+                <a:solidFill>
+                  <a:srgbClr val="000000"/>
+                </a:solidFill>
+                <a:latin typeface="Consolas"/>
+              </a:rPr>
+              <a:t>app.UseCookieAuthentication</a:t>
+            </a:r>
+            <a:r>
+              <a:rPr lang="de-DE" sz="2000" dirty="0" smtClean="0">
+                <a:solidFill>
+                  <a:srgbClr val="000000"/>
+                </a:solidFill>
+                <a:latin typeface="Consolas"/>
+              </a:rPr>
+              <a:t>( </a:t>
+            </a:r>
+            <a:r>
+              <a:rPr lang="de-DE" sz="2000" dirty="0" err="1" smtClean="0">
+                <a:solidFill>
+                  <a:srgbClr val="0000FF"/>
+                </a:solidFill>
+                <a:latin typeface="Consolas"/>
+              </a:rPr>
+              <a:t>new</a:t>
+            </a:r>
+            <a:r>
+              <a:rPr lang="de-DE" sz="2000" dirty="0" smtClean="0">
+                <a:solidFill>
+                  <a:srgbClr val="000000"/>
+                </a:solidFill>
+                <a:latin typeface="Consolas"/>
+              </a:rPr>
+              <a:t> </a:t>
+            </a:r>
+            <a:r>
+              <a:rPr lang="de-DE" sz="2000" dirty="0" err="1" smtClean="0">
+                <a:solidFill>
+                  <a:srgbClr val="0000FF"/>
+                </a:solidFill>
+                <a:latin typeface="Consolas"/>
+              </a:rPr>
+              <a:t>CookieAuthenticationOptions</a:t>
+            </a:r>
+            <a:r>
+              <a:rPr lang="de-DE" sz="2000" dirty="0" smtClean="0">
+                <a:solidFill>
+                  <a:srgbClr val="000000"/>
+                </a:solidFill>
+                <a:latin typeface="Consolas"/>
+              </a:rPr>
+              <a:t> {</a:t>
+            </a:r>
+            <a:br>
+              <a:rPr lang="de-DE" sz="2000" dirty="0" smtClean="0">
+                <a:solidFill>
+                  <a:srgbClr val="000000"/>
+                </a:solidFill>
+                <a:latin typeface="Consolas"/>
+              </a:rPr>
+            </a:br>
+            <a:r>
+              <a:rPr lang="de-DE" sz="2000" dirty="0" smtClean="0">
+                <a:solidFill>
+                  <a:srgbClr val="000000"/>
+                </a:solidFill>
+                <a:latin typeface="Consolas"/>
+              </a:rPr>
+              <a:t>  </a:t>
+            </a:r>
+            <a:r>
+              <a:rPr lang="de-DE" sz="2000" dirty="0" err="1"/>
+              <a:t>CookieSecure</a:t>
+            </a:r>
+            <a:r>
+              <a:rPr lang="de-DE" sz="2000" dirty="0"/>
+              <a:t> = </a:t>
+            </a:r>
+            <a:r>
+              <a:rPr lang="de-DE" sz="2000" dirty="0" err="1" smtClean="0"/>
+              <a:t>CookieSecureOption.Always</a:t>
+            </a:r>
+            <a:r>
+              <a:rPr lang="de-DE" sz="2000" dirty="0" smtClean="0">
+                <a:solidFill>
+                  <a:srgbClr val="A31515"/>
+                </a:solidFill>
+                <a:latin typeface="Consolas"/>
+              </a:rPr>
+              <a:t>,</a:t>
+            </a:r>
+            <a:endParaRPr lang="de-DE" sz="3200" dirty="0"/>
+          </a:p>
+          <a:p>
+            <a:pPr marL="0" indent="0">
+              <a:buNone/>
+            </a:pPr>
+            <a:endParaRPr lang="de-DE" dirty="0"/>
+          </a:p>
+        </p:txBody>
+      </p:sp>
     </p:spTree>
     <p:extLst>
       <p:ext uri="{BB962C8B-B14F-4D97-AF65-F5344CB8AC3E}">
-        <p14:creationId xmlns:p14="http://schemas.microsoft.com/office/powerpoint/2010/main" val="2471651552"/>
+        <p14:creationId xmlns:p14="http://schemas.microsoft.com/office/powerpoint/2010/main" val="1672474925"/>
       </p:ext>
     </p:extLst>
   </p:cSld>
   <p:clrMapOvr>
     <a:masterClrMapping/>
   </p:clrMapOvr>
-  <p:timing>
-    <p:tnLst>
-      <p:par>
-        <p:cTn id="1" dur="indefinite" restart="never" nodeType="tmRoot"/>
-      </p:par>
-    </p:tnLst>
-  </p:timing>
 </p:sld>
 </file>
 
@@ -4545,7 +7859,7 @@
   <a:extraClrSchemeLst/>
   <a:extLst>
     <a:ext uri="{05A4C25C-085E-4340-85A3-A5531E510DB2}">
-      <thm15:themeFamily xmlns="" xmlns:thm15="http://schemas.microsoft.com/office/thememl/2012/main" name="Presentation1" id="{ACB66927-DC72-4B77-9EEE-0493DF6A2016}" vid="{B5BAAF34-A7A6-4863-B92B-F29C519B01CB}"/>
+      <thm15:themeFamily xmlns:thm15="http://schemas.microsoft.com/office/thememl/2012/main" xmlns="" name="Presentation1" id="{ACB66927-DC72-4B77-9EEE-0493DF6A2016}" vid="{B5BAAF34-A7A6-4863-B92B-F29C519B01CB}"/>
     </a:ext>
   </a:extLst>
 </a:theme>
